--- a/apresentacao.pptx
+++ b/apresentacao.pptx
@@ -7,12 +7,17 @@
   <p:sldIdLst>
     <p:sldId id="256" r:id="rId2"/>
     <p:sldId id="257" r:id="rId3"/>
-    <p:sldId id="258" r:id="rId4"/>
-    <p:sldId id="261" r:id="rId5"/>
-    <p:sldId id="263" r:id="rId6"/>
-    <p:sldId id="259" r:id="rId7"/>
-    <p:sldId id="264" r:id="rId8"/>
-    <p:sldId id="260" r:id="rId9"/>
+    <p:sldId id="263" r:id="rId4"/>
+    <p:sldId id="270" r:id="rId5"/>
+    <p:sldId id="272" r:id="rId6"/>
+    <p:sldId id="273" r:id="rId7"/>
+    <p:sldId id="274" r:id="rId8"/>
+    <p:sldId id="275" r:id="rId9"/>
+    <p:sldId id="258" r:id="rId10"/>
+    <p:sldId id="265" r:id="rId11"/>
+    <p:sldId id="259" r:id="rId12"/>
+    <p:sldId id="264" r:id="rId13"/>
+    <p:sldId id="260" r:id="rId14"/>
   </p:sldIdLst>
   <p:sldSz cx="12192000" cy="6858000"/>
   <p:notesSz cx="6858000" cy="9144000"/>
@@ -111,7 +116,362 @@
       </a:defRPr>
     </a:lvl9pPr>
   </p:defaultTextStyle>
+  <p:extLst>
+    <p:ext uri="{EFAFB233-063F-42B5-8137-9DF3F51BA10A}">
+      <p15:sldGuideLst xmlns:p15="http://schemas.microsoft.com/office/powerpoint/2012/main"/>
+    </p:ext>
+  </p:extLst>
 </p:presentation>
+</file>
+
+<file path=ppt/revisionInfo.xml><?xml version="1.0" encoding="utf-8"?>
+<p1510:revInfo xmlns:a="http://schemas.openxmlformats.org/drawingml/2006/main" xmlns:r="http://schemas.openxmlformats.org/officeDocument/2006/relationships" xmlns:p1510="http://schemas.microsoft.com/office/powerpoint/2015/10/main">
+  <p1510:revLst>
+    <p1510:client id="{1B361262-B7B0-405A-8592-0F296581D167}" v="29" dt="2024-06-21T09:28:18.210"/>
+  </p1510:revLst>
+</p1510:revInfo>
+</file>
+
+<file path=ppt/changesInfos/changesInfo1.xml><?xml version="1.0" encoding="utf-8"?>
+<pc:chgInfo xmlns:a="http://schemas.openxmlformats.org/drawingml/2006/main" xmlns:r="http://schemas.openxmlformats.org/officeDocument/2006/relationships" xmlns:ac="http://schemas.microsoft.com/office/drawing/2013/main/command" xmlns:pc="http://schemas.microsoft.com/office/powerpoint/2013/main/command">
+  <pc:docChgLst>
+    <pc:chgData name="Ines Barros Da Rocha" userId="1e633d58-bcf5-4ac6-a332-fca64c29672c" providerId="ADAL" clId="{1B361262-B7B0-405A-8592-0F296581D167}"/>
+    <pc:docChg chg="undo redo custSel addSld delSld modSld sldOrd">
+      <pc:chgData name="Ines Barros Da Rocha" userId="1e633d58-bcf5-4ac6-a332-fca64c29672c" providerId="ADAL" clId="{1B361262-B7B0-405A-8592-0F296581D167}" dt="2024-06-21T09:30:05.931" v="344" actId="1076"/>
+      <pc:docMkLst>
+        <pc:docMk/>
+      </pc:docMkLst>
+      <pc:sldChg chg="modSp mod">
+        <pc:chgData name="Ines Barros Da Rocha" userId="1e633d58-bcf5-4ac6-a332-fca64c29672c" providerId="ADAL" clId="{1B361262-B7B0-405A-8592-0F296581D167}" dt="2024-06-21T08:42:00.684" v="4" actId="1076"/>
+        <pc:sldMkLst>
+          <pc:docMk/>
+          <pc:sldMk cId="796705210" sldId="256"/>
+        </pc:sldMkLst>
+        <pc:spChg chg="mod">
+          <ac:chgData name="Ines Barros Da Rocha" userId="1e633d58-bcf5-4ac6-a332-fca64c29672c" providerId="ADAL" clId="{1B361262-B7B0-405A-8592-0F296581D167}" dt="2024-06-21T08:41:39.345" v="1" actId="34135"/>
+          <ac:spMkLst>
+            <pc:docMk/>
+            <pc:sldMk cId="796705210" sldId="256"/>
+            <ac:spMk id="8" creationId="{265BAB53-8FBE-4870-D393-ECA98B26CABE}"/>
+          </ac:spMkLst>
+        </pc:spChg>
+        <pc:spChg chg="mod">
+          <ac:chgData name="Ines Barros Da Rocha" userId="1e633d58-bcf5-4ac6-a332-fca64c29672c" providerId="ADAL" clId="{1B361262-B7B0-405A-8592-0F296581D167}" dt="2024-06-21T08:42:00.684" v="4" actId="1076"/>
+          <ac:spMkLst>
+            <pc:docMk/>
+            <pc:sldMk cId="796705210" sldId="256"/>
+            <ac:spMk id="13" creationId="{858B6CCE-7B54-EEE6-B4F4-A1B65201A351}"/>
+          </ac:spMkLst>
+        </pc:spChg>
+        <pc:spChg chg="mod">
+          <ac:chgData name="Ines Barros Da Rocha" userId="1e633d58-bcf5-4ac6-a332-fca64c29672c" providerId="ADAL" clId="{1B361262-B7B0-405A-8592-0F296581D167}" dt="2024-06-21T08:42:00.684" v="4" actId="1076"/>
+          <ac:spMkLst>
+            <pc:docMk/>
+            <pc:sldMk cId="796705210" sldId="256"/>
+            <ac:spMk id="14" creationId="{5AC69277-DC1F-B24D-B1C4-2FBE18C6F7B9}"/>
+          </ac:spMkLst>
+        </pc:spChg>
+      </pc:sldChg>
+      <pc:sldChg chg="addSp delSp modSp mod">
+        <pc:chgData name="Ines Barros Da Rocha" userId="1e633d58-bcf5-4ac6-a332-fca64c29672c" providerId="ADAL" clId="{1B361262-B7B0-405A-8592-0F296581D167}" dt="2024-06-21T09:10:37.621" v="11" actId="478"/>
+        <pc:sldMkLst>
+          <pc:docMk/>
+          <pc:sldMk cId="2362906552" sldId="258"/>
+        </pc:sldMkLst>
+        <pc:picChg chg="add del mod">
+          <ac:chgData name="Ines Barros Da Rocha" userId="1e633d58-bcf5-4ac6-a332-fca64c29672c" providerId="ADAL" clId="{1B361262-B7B0-405A-8592-0F296581D167}" dt="2024-06-21T09:10:37.621" v="11" actId="478"/>
+          <ac:picMkLst>
+            <pc:docMk/>
+            <pc:sldMk cId="2362906552" sldId="258"/>
+            <ac:picMk id="4" creationId="{90D2AA59-7956-6AB5-6812-B239677145A3}"/>
+          </ac:picMkLst>
+        </pc:picChg>
+      </pc:sldChg>
+      <pc:sldChg chg="del">
+        <pc:chgData name="Ines Barros Da Rocha" userId="1e633d58-bcf5-4ac6-a332-fca64c29672c" providerId="ADAL" clId="{1B361262-B7B0-405A-8592-0F296581D167}" dt="2024-06-21T09:10:58.376" v="12" actId="47"/>
+        <pc:sldMkLst>
+          <pc:docMk/>
+          <pc:sldMk cId="1194507242" sldId="261"/>
+        </pc:sldMkLst>
+      </pc:sldChg>
+      <pc:sldChg chg="addSp delSp modSp mod ord">
+        <pc:chgData name="Ines Barros Da Rocha" userId="1e633d58-bcf5-4ac6-a332-fca64c29672c" providerId="ADAL" clId="{1B361262-B7B0-405A-8592-0F296581D167}" dt="2024-06-21T09:17:57.555" v="67" actId="1076"/>
+        <pc:sldMkLst>
+          <pc:docMk/>
+          <pc:sldMk cId="1027735409" sldId="263"/>
+        </pc:sldMkLst>
+        <pc:spChg chg="mod">
+          <ac:chgData name="Ines Barros Da Rocha" userId="1e633d58-bcf5-4ac6-a332-fca64c29672c" providerId="ADAL" clId="{1B361262-B7B0-405A-8592-0F296581D167}" dt="2024-06-21T09:11:28.047" v="24"/>
+          <ac:spMkLst>
+            <pc:docMk/>
+            <pc:sldMk cId="1027735409" sldId="263"/>
+            <ac:spMk id="3" creationId="{A0F6C027-F212-7D4C-3B62-4286D96AD489}"/>
+          </ac:spMkLst>
+        </pc:spChg>
+        <pc:spChg chg="mod">
+          <ac:chgData name="Ines Barros Da Rocha" userId="1e633d58-bcf5-4ac6-a332-fca64c29672c" providerId="ADAL" clId="{1B361262-B7B0-405A-8592-0F296581D167}" dt="2024-06-21T09:12:34.179" v="37" actId="20577"/>
+          <ac:spMkLst>
+            <pc:docMk/>
+            <pc:sldMk cId="1027735409" sldId="263"/>
+            <ac:spMk id="5" creationId="{60E1267D-2D33-CDDE-B908-FF68EFE2FF68}"/>
+          </ac:spMkLst>
+        </pc:spChg>
+        <pc:spChg chg="del">
+          <ac:chgData name="Ines Barros Da Rocha" userId="1e633d58-bcf5-4ac6-a332-fca64c29672c" providerId="ADAL" clId="{1B361262-B7B0-405A-8592-0F296581D167}" dt="2024-06-21T09:16:46.198" v="61" actId="478"/>
+          <ac:spMkLst>
+            <pc:docMk/>
+            <pc:sldMk cId="1027735409" sldId="263"/>
+            <ac:spMk id="20" creationId="{8CB127C8-A5E4-420B-37A5-F5206102888A}"/>
+          </ac:spMkLst>
+        </pc:spChg>
+        <pc:picChg chg="add del">
+          <ac:chgData name="Ines Barros Da Rocha" userId="1e633d58-bcf5-4ac6-a332-fca64c29672c" providerId="ADAL" clId="{1B361262-B7B0-405A-8592-0F296581D167}" dt="2024-06-21T09:11:09.439" v="14" actId="478"/>
+          <ac:picMkLst>
+            <pc:docMk/>
+            <pc:sldMk cId="1027735409" sldId="263"/>
+            <ac:picMk id="4" creationId="{63CB6FEC-1F4E-493C-E267-D40627813049}"/>
+          </ac:picMkLst>
+        </pc:picChg>
+        <pc:picChg chg="add del mod">
+          <ac:chgData name="Ines Barros Da Rocha" userId="1e633d58-bcf5-4ac6-a332-fca64c29672c" providerId="ADAL" clId="{1B361262-B7B0-405A-8592-0F296581D167}" dt="2024-06-21T09:14:54.551" v="53" actId="478"/>
+          <ac:picMkLst>
+            <pc:docMk/>
+            <pc:sldMk cId="1027735409" sldId="263"/>
+            <ac:picMk id="7" creationId="{5A978FEF-C923-96E5-CF61-4865FB0E7913}"/>
+          </ac:picMkLst>
+        </pc:picChg>
+        <pc:picChg chg="add del mod">
+          <ac:chgData name="Ines Barros Da Rocha" userId="1e633d58-bcf5-4ac6-a332-fca64c29672c" providerId="ADAL" clId="{1B361262-B7B0-405A-8592-0F296581D167}" dt="2024-06-21T09:14:28.600" v="52" actId="478"/>
+          <ac:picMkLst>
+            <pc:docMk/>
+            <pc:sldMk cId="1027735409" sldId="263"/>
+            <ac:picMk id="9" creationId="{AA47B107-E734-6684-CF1F-D5D76723F263}"/>
+          </ac:picMkLst>
+        </pc:picChg>
+        <pc:picChg chg="add del mod">
+          <ac:chgData name="Ines Barros Da Rocha" userId="1e633d58-bcf5-4ac6-a332-fca64c29672c" providerId="ADAL" clId="{1B361262-B7B0-405A-8592-0F296581D167}" dt="2024-06-21T09:16:42.727" v="60" actId="478"/>
+          <ac:picMkLst>
+            <pc:docMk/>
+            <pc:sldMk cId="1027735409" sldId="263"/>
+            <ac:picMk id="11" creationId="{03A58BEC-8A95-7488-6BB8-C7AA9907D978}"/>
+          </ac:picMkLst>
+        </pc:picChg>
+        <pc:picChg chg="add mod">
+          <ac:chgData name="Ines Barros Da Rocha" userId="1e633d58-bcf5-4ac6-a332-fca64c29672c" providerId="ADAL" clId="{1B361262-B7B0-405A-8592-0F296581D167}" dt="2024-06-21T09:17:57.555" v="67" actId="1076"/>
+          <ac:picMkLst>
+            <pc:docMk/>
+            <pc:sldMk cId="1027735409" sldId="263"/>
+            <ac:picMk id="13" creationId="{2121BEDD-1B0B-59E9-1194-0B5A85405E4F}"/>
+          </ac:picMkLst>
+        </pc:picChg>
+        <pc:picChg chg="del">
+          <ac:chgData name="Ines Barros Da Rocha" userId="1e633d58-bcf5-4ac6-a332-fca64c29672c" providerId="ADAL" clId="{1B361262-B7B0-405A-8592-0F296581D167}" dt="2024-06-21T09:12:57.763" v="38" actId="478"/>
+          <ac:picMkLst>
+            <pc:docMk/>
+            <pc:sldMk cId="1027735409" sldId="263"/>
+            <ac:picMk id="22" creationId="{0CFFCAEC-4D61-504F-2970-5DF278650BCB}"/>
+          </ac:picMkLst>
+        </pc:picChg>
+      </pc:sldChg>
+      <pc:sldChg chg="add">
+        <pc:chgData name="Ines Barros Da Rocha" userId="1e633d58-bcf5-4ac6-a332-fca64c29672c" providerId="ADAL" clId="{1B361262-B7B0-405A-8592-0F296581D167}" dt="2024-06-21T09:11:11.103" v="15"/>
+        <pc:sldMkLst>
+          <pc:docMk/>
+          <pc:sldMk cId="4265290557" sldId="265"/>
+        </pc:sldMkLst>
+      </pc:sldChg>
+      <pc:sldChg chg="addSp delSp modSp add del mod">
+        <pc:chgData name="Ines Barros Da Rocha" userId="1e633d58-bcf5-4ac6-a332-fca64c29672c" providerId="ADAL" clId="{1B361262-B7B0-405A-8592-0F296581D167}" dt="2024-06-21T09:19:54.013" v="124" actId="47"/>
+        <pc:sldMkLst>
+          <pc:docMk/>
+          <pc:sldMk cId="2344823404" sldId="266"/>
+        </pc:sldMkLst>
+        <pc:spChg chg="del">
+          <ac:chgData name="Ines Barros Da Rocha" userId="1e633d58-bcf5-4ac6-a332-fca64c29672c" providerId="ADAL" clId="{1B361262-B7B0-405A-8592-0F296581D167}" dt="2024-06-21T09:18:04.743" v="69" actId="478"/>
+          <ac:spMkLst>
+            <pc:docMk/>
+            <pc:sldMk cId="2344823404" sldId="266"/>
+            <ac:spMk id="5" creationId="{60E1267D-2D33-CDDE-B908-FF68EFE2FF68}"/>
+          </ac:spMkLst>
+        </pc:spChg>
+        <pc:picChg chg="add mod">
+          <ac:chgData name="Ines Barros Da Rocha" userId="1e633d58-bcf5-4ac6-a332-fca64c29672c" providerId="ADAL" clId="{1B361262-B7B0-405A-8592-0F296581D167}" dt="2024-06-21T09:19:15.292" v="76" actId="962"/>
+          <ac:picMkLst>
+            <pc:docMk/>
+            <pc:sldMk cId="2344823404" sldId="266"/>
+            <ac:picMk id="4" creationId="{C9CC8B7E-6B0E-2668-BC24-DF24DC39388F}"/>
+          </ac:picMkLst>
+        </pc:picChg>
+        <pc:picChg chg="del">
+          <ac:chgData name="Ines Barros Da Rocha" userId="1e633d58-bcf5-4ac6-a332-fca64c29672c" providerId="ADAL" clId="{1B361262-B7B0-405A-8592-0F296581D167}" dt="2024-06-21T09:18:04.743" v="69" actId="478"/>
+          <ac:picMkLst>
+            <pc:docMk/>
+            <pc:sldMk cId="2344823404" sldId="266"/>
+            <ac:picMk id="13" creationId="{2121BEDD-1B0B-59E9-1194-0B5A85405E4F}"/>
+          </ac:picMkLst>
+        </pc:picChg>
+      </pc:sldChg>
+      <pc:sldChg chg="add del">
+        <pc:chgData name="Ines Barros Da Rocha" userId="1e633d58-bcf5-4ac6-a332-fca64c29672c" providerId="ADAL" clId="{1B361262-B7B0-405A-8592-0F296581D167}" dt="2024-06-21T09:11:19.786" v="19"/>
+        <pc:sldMkLst>
+          <pc:docMk/>
+          <pc:sldMk cId="4041820602" sldId="266"/>
+        </pc:sldMkLst>
+      </pc:sldChg>
+      <pc:sldChg chg="add del">
+        <pc:chgData name="Ines Barros Da Rocha" userId="1e633d58-bcf5-4ac6-a332-fca64c29672c" providerId="ADAL" clId="{1B361262-B7B0-405A-8592-0F296581D167}" dt="2024-06-21T09:23:52.540" v="159" actId="47"/>
+        <pc:sldMkLst>
+          <pc:docMk/>
+          <pc:sldMk cId="2416061574" sldId="267"/>
+        </pc:sldMkLst>
+      </pc:sldChg>
+      <pc:sldChg chg="add del">
+        <pc:chgData name="Ines Barros Da Rocha" userId="1e633d58-bcf5-4ac6-a332-fca64c29672c" providerId="ADAL" clId="{1B361262-B7B0-405A-8592-0F296581D167}" dt="2024-06-21T09:23:52.998" v="160" actId="47"/>
+        <pc:sldMkLst>
+          <pc:docMk/>
+          <pc:sldMk cId="309647320" sldId="268"/>
+        </pc:sldMkLst>
+      </pc:sldChg>
+      <pc:sldChg chg="add del">
+        <pc:chgData name="Ines Barros Da Rocha" userId="1e633d58-bcf5-4ac6-a332-fca64c29672c" providerId="ADAL" clId="{1B361262-B7B0-405A-8592-0F296581D167}" dt="2024-06-21T09:23:53.574" v="161" actId="47"/>
+        <pc:sldMkLst>
+          <pc:docMk/>
+          <pc:sldMk cId="2958839288" sldId="269"/>
+        </pc:sldMkLst>
+      </pc:sldChg>
+      <pc:sldChg chg="addSp modSp add mod modTransition">
+        <pc:chgData name="Ines Barros Da Rocha" userId="1e633d58-bcf5-4ac6-a332-fca64c29672c" providerId="ADAL" clId="{1B361262-B7B0-405A-8592-0F296581D167}" dt="2024-06-21T09:27:18.807" v="240" actId="14100"/>
+        <pc:sldMkLst>
+          <pc:docMk/>
+          <pc:sldMk cId="3754452027" sldId="270"/>
+        </pc:sldMkLst>
+        <pc:spChg chg="add mod">
+          <ac:chgData name="Ines Barros Da Rocha" userId="1e633d58-bcf5-4ac6-a332-fca64c29672c" providerId="ADAL" clId="{1B361262-B7B0-405A-8592-0F296581D167}" dt="2024-06-21T09:27:18.807" v="240" actId="14100"/>
+          <ac:spMkLst>
+            <pc:docMk/>
+            <pc:sldMk cId="3754452027" sldId="270"/>
+            <ac:spMk id="2" creationId="{9BBE6C97-C1B9-6768-772C-A921A8B11B62}"/>
+          </ac:spMkLst>
+        </pc:spChg>
+        <pc:picChg chg="mod modCrop">
+          <ac:chgData name="Ines Barros Da Rocha" userId="1e633d58-bcf5-4ac6-a332-fca64c29672c" providerId="ADAL" clId="{1B361262-B7B0-405A-8592-0F296581D167}" dt="2024-06-21T09:27:06.414" v="239" actId="732"/>
+          <ac:picMkLst>
+            <pc:docMk/>
+            <pc:sldMk cId="3754452027" sldId="270"/>
+            <ac:picMk id="4" creationId="{C9CC8B7E-6B0E-2668-BC24-DF24DC39388F}"/>
+          </ac:picMkLst>
+        </pc:picChg>
+      </pc:sldChg>
+      <pc:sldChg chg="add del">
+        <pc:chgData name="Ines Barros Da Rocha" userId="1e633d58-bcf5-4ac6-a332-fca64c29672c" providerId="ADAL" clId="{1B361262-B7B0-405A-8592-0F296581D167}" dt="2024-06-21T09:21:49.618" v="150" actId="47"/>
+        <pc:sldMkLst>
+          <pc:docMk/>
+          <pc:sldMk cId="787307597" sldId="271"/>
+        </pc:sldMkLst>
+      </pc:sldChg>
+      <pc:sldChg chg="addSp delSp modSp add mod modTransition">
+        <pc:chgData name="Ines Barros Da Rocha" userId="1e633d58-bcf5-4ac6-a332-fca64c29672c" providerId="ADAL" clId="{1B361262-B7B0-405A-8592-0F296581D167}" dt="2024-06-21T09:28:47.555" v="334" actId="1076"/>
+        <pc:sldMkLst>
+          <pc:docMk/>
+          <pc:sldMk cId="785319034" sldId="272"/>
+        </pc:sldMkLst>
+        <pc:spChg chg="add del mod">
+          <ac:chgData name="Ines Barros Da Rocha" userId="1e633d58-bcf5-4ac6-a332-fca64c29672c" providerId="ADAL" clId="{1B361262-B7B0-405A-8592-0F296581D167}" dt="2024-06-21T09:28:47.555" v="334" actId="1076"/>
+          <ac:spMkLst>
+            <pc:docMk/>
+            <pc:sldMk cId="785319034" sldId="272"/>
+            <ac:spMk id="2" creationId="{9BBE6C97-C1B9-6768-772C-A921A8B11B62}"/>
+          </ac:spMkLst>
+        </pc:spChg>
+        <pc:spChg chg="add mod">
+          <ac:chgData name="Ines Barros Da Rocha" userId="1e633d58-bcf5-4ac6-a332-fca64c29672c" providerId="ADAL" clId="{1B361262-B7B0-405A-8592-0F296581D167}" dt="2024-06-21T09:28:03.237" v="310"/>
+          <ac:spMkLst>
+            <pc:docMk/>
+            <pc:sldMk cId="785319034" sldId="272"/>
+            <ac:spMk id="5" creationId="{BEA8D676-94EA-2C62-F1A2-D76C4D138CDF}"/>
+          </ac:spMkLst>
+        </pc:spChg>
+        <pc:spChg chg="add mod">
+          <ac:chgData name="Ines Barros Da Rocha" userId="1e633d58-bcf5-4ac6-a332-fca64c29672c" providerId="ADAL" clId="{1B361262-B7B0-405A-8592-0F296581D167}" dt="2024-06-21T09:28:18.210" v="326"/>
+          <ac:spMkLst>
+            <pc:docMk/>
+            <pc:sldMk cId="785319034" sldId="272"/>
+            <ac:spMk id="6" creationId="{284D1F13-1444-87BA-7F15-CBC4FD5905BA}"/>
+          </ac:spMkLst>
+        </pc:spChg>
+        <pc:picChg chg="mod modCrop">
+          <ac:chgData name="Ines Barros Da Rocha" userId="1e633d58-bcf5-4ac6-a332-fca64c29672c" providerId="ADAL" clId="{1B361262-B7B0-405A-8592-0F296581D167}" dt="2024-06-21T09:28:26.622" v="328" actId="732"/>
+          <ac:picMkLst>
+            <pc:docMk/>
+            <pc:sldMk cId="785319034" sldId="272"/>
+            <ac:picMk id="4" creationId="{C9CC8B7E-6B0E-2668-BC24-DF24DC39388F}"/>
+          </ac:picMkLst>
+        </pc:picChg>
+      </pc:sldChg>
+      <pc:sldChg chg="delSp modSp add mod">
+        <pc:chgData name="Ines Barros Da Rocha" userId="1e633d58-bcf5-4ac6-a332-fca64c29672c" providerId="ADAL" clId="{1B361262-B7B0-405A-8592-0F296581D167}" dt="2024-06-21T09:25:36.724" v="184" actId="1076"/>
+        <pc:sldMkLst>
+          <pc:docMk/>
+          <pc:sldMk cId="3194444572" sldId="273"/>
+        </pc:sldMkLst>
+        <pc:spChg chg="del mod">
+          <ac:chgData name="Ines Barros Da Rocha" userId="1e633d58-bcf5-4ac6-a332-fca64c29672c" providerId="ADAL" clId="{1B361262-B7B0-405A-8592-0F296581D167}" dt="2024-06-21T09:25:33.734" v="183" actId="478"/>
+          <ac:spMkLst>
+            <pc:docMk/>
+            <pc:sldMk cId="3194444572" sldId="273"/>
+            <ac:spMk id="2" creationId="{9BBE6C97-C1B9-6768-772C-A921A8B11B62}"/>
+          </ac:spMkLst>
+        </pc:spChg>
+        <pc:picChg chg="mod">
+          <ac:chgData name="Ines Barros Da Rocha" userId="1e633d58-bcf5-4ac6-a332-fca64c29672c" providerId="ADAL" clId="{1B361262-B7B0-405A-8592-0F296581D167}" dt="2024-06-21T09:25:36.724" v="184" actId="1076"/>
+          <ac:picMkLst>
+            <pc:docMk/>
+            <pc:sldMk cId="3194444572" sldId="273"/>
+            <ac:picMk id="4" creationId="{C9CC8B7E-6B0E-2668-BC24-DF24DC39388F}"/>
+          </ac:picMkLst>
+        </pc:picChg>
+      </pc:sldChg>
+      <pc:sldChg chg="delSp modSp add mod">
+        <pc:chgData name="Ines Barros Da Rocha" userId="1e633d58-bcf5-4ac6-a332-fca64c29672c" providerId="ADAL" clId="{1B361262-B7B0-405A-8592-0F296581D167}" dt="2024-06-21T09:30:05.931" v="344" actId="1076"/>
+        <pc:sldMkLst>
+          <pc:docMk/>
+          <pc:sldMk cId="2866936293" sldId="274"/>
+        </pc:sldMkLst>
+        <pc:spChg chg="del mod">
+          <ac:chgData name="Ines Barros Da Rocha" userId="1e633d58-bcf5-4ac6-a332-fca64c29672c" providerId="ADAL" clId="{1B361262-B7B0-405A-8592-0F296581D167}" dt="2024-06-21T09:25:23.798" v="180" actId="478"/>
+          <ac:spMkLst>
+            <pc:docMk/>
+            <pc:sldMk cId="2866936293" sldId="274"/>
+            <ac:spMk id="2" creationId="{9BBE6C97-C1B9-6768-772C-A921A8B11B62}"/>
+          </ac:spMkLst>
+        </pc:spChg>
+        <pc:picChg chg="mod">
+          <ac:chgData name="Ines Barros Da Rocha" userId="1e633d58-bcf5-4ac6-a332-fca64c29672c" providerId="ADAL" clId="{1B361262-B7B0-405A-8592-0F296581D167}" dt="2024-06-21T09:30:05.931" v="344" actId="1076"/>
+          <ac:picMkLst>
+            <pc:docMk/>
+            <pc:sldMk cId="2866936293" sldId="274"/>
+            <ac:picMk id="4" creationId="{C9CC8B7E-6B0E-2668-BC24-DF24DC39388F}"/>
+          </ac:picMkLst>
+        </pc:picChg>
+      </pc:sldChg>
+      <pc:sldChg chg="addSp delSp modSp add mod">
+        <pc:chgData name="Ines Barros Da Rocha" userId="1e633d58-bcf5-4ac6-a332-fca64c29672c" providerId="ADAL" clId="{1B361262-B7B0-405A-8592-0F296581D167}" dt="2024-06-21T09:30:02.935" v="343" actId="1076"/>
+        <pc:sldMkLst>
+          <pc:docMk/>
+          <pc:sldMk cId="964542521" sldId="275"/>
+        </pc:sldMkLst>
+        <pc:picChg chg="add del mod">
+          <ac:chgData name="Ines Barros Da Rocha" userId="1e633d58-bcf5-4ac6-a332-fca64c29672c" providerId="ADAL" clId="{1B361262-B7B0-405A-8592-0F296581D167}" dt="2024-06-21T09:30:02.935" v="343" actId="1076"/>
+          <ac:picMkLst>
+            <pc:docMk/>
+            <pc:sldMk cId="964542521" sldId="275"/>
+            <ac:picMk id="4" creationId="{C9CC8B7E-6B0E-2668-BC24-DF24DC39388F}"/>
+          </ac:picMkLst>
+        </pc:picChg>
+      </pc:sldChg>
+    </pc:docChg>
+  </pc:docChgLst>
+</pc:chgInfo>
 </file>
 
 <file path=ppt/slideLayouts/slideLayout1.xml><?xml version="1.0" encoding="utf-8"?>
@@ -261,7 +621,7 @@
           <a:p>
             <a:fld id="{D5183E39-E9F0-374E-B3E9-F2BF945C19D9}" type="datetimeFigureOut">
               <a:rPr lang="pt-PT" smtClean="0"/>
-              <a:t>19/06/24</a:t>
+              <a:t>21/06/2024</a:t>
             </a:fld>
             <a:endParaRPr lang="pt-PT"/>
           </a:p>
@@ -459,7 +819,7 @@
           <a:p>
             <a:fld id="{D5183E39-E9F0-374E-B3E9-F2BF945C19D9}" type="datetimeFigureOut">
               <a:rPr lang="pt-PT" smtClean="0"/>
-              <a:t>19/06/24</a:t>
+              <a:t>21/06/2024</a:t>
             </a:fld>
             <a:endParaRPr lang="pt-PT"/>
           </a:p>
@@ -667,7 +1027,7 @@
           <a:p>
             <a:fld id="{D5183E39-E9F0-374E-B3E9-F2BF945C19D9}" type="datetimeFigureOut">
               <a:rPr lang="pt-PT" smtClean="0"/>
-              <a:t>19/06/24</a:t>
+              <a:t>21/06/2024</a:t>
             </a:fld>
             <a:endParaRPr lang="pt-PT"/>
           </a:p>
@@ -865,7 +1225,7 @@
           <a:p>
             <a:fld id="{D5183E39-E9F0-374E-B3E9-F2BF945C19D9}" type="datetimeFigureOut">
               <a:rPr lang="pt-PT" smtClean="0"/>
-              <a:t>19/06/24</a:t>
+              <a:t>21/06/2024</a:t>
             </a:fld>
             <a:endParaRPr lang="pt-PT"/>
           </a:p>
@@ -1140,7 +1500,7 @@
           <a:p>
             <a:fld id="{D5183E39-E9F0-374E-B3E9-F2BF945C19D9}" type="datetimeFigureOut">
               <a:rPr lang="pt-PT" smtClean="0"/>
-              <a:t>19/06/24</a:t>
+              <a:t>21/06/2024</a:t>
             </a:fld>
             <a:endParaRPr lang="pt-PT"/>
           </a:p>
@@ -1405,7 +1765,7 @@
           <a:p>
             <a:fld id="{D5183E39-E9F0-374E-B3E9-F2BF945C19D9}" type="datetimeFigureOut">
               <a:rPr lang="pt-PT" smtClean="0"/>
-              <a:t>19/06/24</a:t>
+              <a:t>21/06/2024</a:t>
             </a:fld>
             <a:endParaRPr lang="pt-PT"/>
           </a:p>
@@ -1817,7 +2177,7 @@
           <a:p>
             <a:fld id="{D5183E39-E9F0-374E-B3E9-F2BF945C19D9}" type="datetimeFigureOut">
               <a:rPr lang="pt-PT" smtClean="0"/>
-              <a:t>19/06/24</a:t>
+              <a:t>21/06/2024</a:t>
             </a:fld>
             <a:endParaRPr lang="pt-PT"/>
           </a:p>
@@ -1958,7 +2318,7 @@
           <a:p>
             <a:fld id="{D5183E39-E9F0-374E-B3E9-F2BF945C19D9}" type="datetimeFigureOut">
               <a:rPr lang="pt-PT" smtClean="0"/>
-              <a:t>19/06/24</a:t>
+              <a:t>21/06/2024</a:t>
             </a:fld>
             <a:endParaRPr lang="pt-PT"/>
           </a:p>
@@ -2071,7 +2431,7 @@
           <a:p>
             <a:fld id="{D5183E39-E9F0-374E-B3E9-F2BF945C19D9}" type="datetimeFigureOut">
               <a:rPr lang="pt-PT" smtClean="0"/>
-              <a:t>19/06/24</a:t>
+              <a:t>21/06/2024</a:t>
             </a:fld>
             <a:endParaRPr lang="pt-PT"/>
           </a:p>
@@ -2382,7 +2742,7 @@
           <a:p>
             <a:fld id="{D5183E39-E9F0-374E-B3E9-F2BF945C19D9}" type="datetimeFigureOut">
               <a:rPr lang="pt-PT" smtClean="0"/>
-              <a:t>19/06/24</a:t>
+              <a:t>21/06/2024</a:t>
             </a:fld>
             <a:endParaRPr lang="pt-PT"/>
           </a:p>
@@ -2670,7 +3030,7 @@
           <a:p>
             <a:fld id="{D5183E39-E9F0-374E-B3E9-F2BF945C19D9}" type="datetimeFigureOut">
               <a:rPr lang="pt-PT" smtClean="0"/>
-              <a:t>19/06/24</a:t>
+              <a:t>21/06/2024</a:t>
             </a:fld>
             <a:endParaRPr lang="pt-PT"/>
           </a:p>
@@ -2911,7 +3271,7 @@
           <a:p>
             <a:fld id="{D5183E39-E9F0-374E-B3E9-F2BF945C19D9}" type="datetimeFigureOut">
               <a:rPr lang="pt-PT" smtClean="0"/>
-              <a:t>19/06/24</a:t>
+              <a:t>21/06/2024</a:t>
             </a:fld>
             <a:endParaRPr lang="pt-PT"/>
           </a:p>
@@ -3345,7 +3705,9 @@
               </a:ext>
             </a:extLst>
           </p:cNvPr>
-          <p:cNvSpPr/>
+          <p:cNvSpPr>
+            <a:spLocks noGrp="1" noRot="1" noMove="1" noResize="1" noEditPoints="1" noAdjustHandles="1" noChangeArrowheads="1" noChangeShapeType="1"/>
+          </p:cNvSpPr>
           <p:nvPr/>
         </p:nvSpPr>
         <p:spPr>
@@ -3582,8 +3944,8 @@
         </p:nvSpPr>
         <p:spPr>
           <a:xfrm>
-            <a:off x="896023" y="2292626"/>
-            <a:ext cx="5408853" cy="861774"/>
+            <a:off x="1337877" y="2462661"/>
+            <a:ext cx="4584139" cy="861774"/>
           </a:xfrm>
           <a:prstGeom prst="rect">
             <a:avLst/>
@@ -3596,6 +3958,7 @@
           </a:bodyPr>
           <a:lstStyle/>
           <a:p>
+            <a:pPr algn="ctr"/>
             <a:r>
               <a:rPr lang="pt-PT" sz="4500" b="1" dirty="0">
                 <a:solidFill>
@@ -3634,7 +3997,7 @@
         </p:nvSpPr>
         <p:spPr>
           <a:xfrm>
-            <a:off x="1564197" y="3254103"/>
+            <a:off x="1593694" y="3424138"/>
             <a:ext cx="4028661" cy="1477328"/>
           </a:xfrm>
           <a:prstGeom prst="rect">
@@ -3749,6 +4112,648 @@
     <p:extLst>
       <p:ext uri="{BB962C8B-B14F-4D97-AF65-F5344CB8AC3E}">
         <p14:creationId xmlns:p14="http://schemas.microsoft.com/office/powerpoint/2010/main" val="796705210"/>
+      </p:ext>
+    </p:extLst>
+  </p:cSld>
+  <p:clrMapOvr>
+    <a:masterClrMapping/>
+  </p:clrMapOvr>
+</p:sld>
+</file>
+
+<file path=ppt/slides/slide10.xml><?xml version="1.0" encoding="utf-8"?>
+<p:sld xmlns:a="http://schemas.openxmlformats.org/drawingml/2006/main" xmlns:r="http://schemas.openxmlformats.org/officeDocument/2006/relationships" xmlns:p="http://schemas.openxmlformats.org/presentationml/2006/main">
+  <p:cSld>
+    <p:spTree>
+      <p:nvGrpSpPr>
+        <p:cNvPr id="1" name=""/>
+        <p:cNvGrpSpPr/>
+        <p:nvPr/>
+      </p:nvGrpSpPr>
+      <p:grpSpPr>
+        <a:xfrm>
+          <a:off x="0" y="0"/>
+          <a:ext cx="0" cy="0"/>
+          <a:chOff x="0" y="0"/>
+          <a:chExt cx="0" cy="0"/>
+        </a:xfrm>
+      </p:grpSpPr>
+      <p:sp>
+        <p:nvSpPr>
+          <p:cNvPr id="3" name="CaixaDeTexto 2">
+            <a:extLst>
+              <a:ext uri="{FF2B5EF4-FFF2-40B4-BE49-F238E27FC236}">
+                <a16:creationId xmlns:a16="http://schemas.microsoft.com/office/drawing/2014/main" id="{A0F6C027-F212-7D4C-3B62-4286D96AD489}"/>
+              </a:ext>
+            </a:extLst>
+          </p:cNvPr>
+          <p:cNvSpPr txBox="1"/>
+          <p:nvPr/>
+        </p:nvSpPr>
+        <p:spPr>
+          <a:xfrm>
+            <a:off x="295835" y="295834"/>
+            <a:ext cx="4051109" cy="784830"/>
+          </a:xfrm>
+          <a:prstGeom prst="rect">
+            <a:avLst/>
+          </a:prstGeom>
+          <a:noFill/>
+        </p:spPr>
+        <p:txBody>
+          <a:bodyPr wrap="none" rtlCol="0">
+            <a:spAutoFit/>
+          </a:bodyPr>
+          <a:lstStyle/>
+          <a:p>
+            <a:r>
+              <a:rPr lang="pt-PT" sz="4500" b="1" dirty="0">
+                <a:solidFill>
+                  <a:schemeClr val="tx2">
+                    <a:lumMod val="90000"/>
+                    <a:lumOff val="10000"/>
+                  </a:schemeClr>
+                </a:solidFill>
+                <a:latin typeface="Clash Display" pitchFamily="2" charset="0"/>
+              </a:rPr>
+              <a:t>Classificação</a:t>
+            </a:r>
+          </a:p>
+        </p:txBody>
+      </p:sp>
+      <p:sp>
+        <p:nvSpPr>
+          <p:cNvPr id="5" name="CaixaDeTexto 4">
+            <a:extLst>
+              <a:ext uri="{FF2B5EF4-FFF2-40B4-BE49-F238E27FC236}">
+                <a16:creationId xmlns:a16="http://schemas.microsoft.com/office/drawing/2014/main" id="{60E1267D-2D33-CDDE-B908-FF68EFE2FF68}"/>
+              </a:ext>
+            </a:extLst>
+          </p:cNvPr>
+          <p:cNvSpPr txBox="1"/>
+          <p:nvPr/>
+        </p:nvSpPr>
+        <p:spPr>
+          <a:xfrm>
+            <a:off x="564776" y="1546412"/>
+            <a:ext cx="11062448" cy="400110"/>
+          </a:xfrm>
+          <a:prstGeom prst="rect">
+            <a:avLst/>
+          </a:prstGeom>
+          <a:noFill/>
+        </p:spPr>
+        <p:txBody>
+          <a:bodyPr wrap="square" rtlCol="0">
+            <a:spAutoFit/>
+          </a:bodyPr>
+          <a:lstStyle/>
+          <a:p>
+            <a:r>
+              <a:rPr lang="pt-PT" sz="2000" b="1" dirty="0">
+                <a:latin typeface="Inter Tight" pitchFamily="2" charset="0"/>
+                <a:ea typeface="Inter Tight" pitchFamily="2" charset="0"/>
+                <a:cs typeface="Inter Tight" pitchFamily="2" charset="0"/>
+              </a:rPr>
+              <a:t>Objetivo:</a:t>
+            </a:r>
+            <a:r>
+              <a:rPr lang="pt-PT" sz="2000" dirty="0">
+                <a:latin typeface="Inter Tight" pitchFamily="2" charset="0"/>
+                <a:ea typeface="Inter Tight" pitchFamily="2" charset="0"/>
+                <a:cs typeface="Inter Tight" pitchFamily="2" charset="0"/>
+              </a:rPr>
+              <a:t> </a:t>
+            </a:r>
+            <a:r>
+              <a:rPr lang="pt-PT" sz="2000" i="0" dirty="0">
+                <a:effectLst/>
+                <a:latin typeface="Inter Tight" pitchFamily="2" charset="0"/>
+                <a:ea typeface="Inter Tight" pitchFamily="2" charset="0"/>
+                <a:cs typeface="Inter Tight" pitchFamily="2" charset="0"/>
+              </a:rPr>
+              <a:t>Desenvolver modelos de classificação que permitam prever corretamente o tipo de vinho.</a:t>
+            </a:r>
+            <a:r>
+              <a:rPr lang="pt-PT" sz="2000" dirty="0">
+                <a:latin typeface="Inter Tight" pitchFamily="2" charset="0"/>
+                <a:ea typeface="Inter Tight" pitchFamily="2" charset="0"/>
+                <a:cs typeface="Inter Tight" pitchFamily="2" charset="0"/>
+              </a:rPr>
+              <a:t> </a:t>
+            </a:r>
+          </a:p>
+        </p:txBody>
+      </p:sp>
+      <p:sp>
+        <p:nvSpPr>
+          <p:cNvPr id="20" name="CaixaDeTexto 19">
+            <a:extLst>
+              <a:ext uri="{FF2B5EF4-FFF2-40B4-BE49-F238E27FC236}">
+                <a16:creationId xmlns:a16="http://schemas.microsoft.com/office/drawing/2014/main" id="{8CB127C8-A5E4-420B-37A5-F5206102888A}"/>
+              </a:ext>
+            </a:extLst>
+          </p:cNvPr>
+          <p:cNvSpPr txBox="1"/>
+          <p:nvPr/>
+        </p:nvSpPr>
+        <p:spPr>
+          <a:xfrm>
+            <a:off x="564776" y="2412270"/>
+            <a:ext cx="2443298" cy="400110"/>
+          </a:xfrm>
+          <a:prstGeom prst="rect">
+            <a:avLst/>
+          </a:prstGeom>
+          <a:noFill/>
+        </p:spPr>
+        <p:txBody>
+          <a:bodyPr wrap="none" rtlCol="0">
+            <a:spAutoFit/>
+          </a:bodyPr>
+          <a:lstStyle/>
+          <a:p>
+            <a:r>
+              <a:rPr lang="pt-PT" sz="2000" dirty="0">
+                <a:latin typeface="Inter Tight" pitchFamily="2" charset="0"/>
+                <a:ea typeface="Inter Tight" pitchFamily="2" charset="0"/>
+                <a:cs typeface="Inter Tight" pitchFamily="2" charset="0"/>
+              </a:rPr>
+              <a:t>Pré-processamento:</a:t>
+            </a:r>
+          </a:p>
+        </p:txBody>
+      </p:sp>
+      <p:pic>
+        <p:nvPicPr>
+          <p:cNvPr id="22" name="Imagem 21" descr="Uma imagem com texto, Tipo de letra, file, captura de ecrã&#10;&#10;Descrição gerada automaticamente">
+            <a:extLst>
+              <a:ext uri="{FF2B5EF4-FFF2-40B4-BE49-F238E27FC236}">
+                <a16:creationId xmlns:a16="http://schemas.microsoft.com/office/drawing/2014/main" id="{0CFFCAEC-4D61-504F-2970-5DF278650BCB}"/>
+              </a:ext>
+            </a:extLst>
+          </p:cNvPr>
+          <p:cNvPicPr>
+            <a:picLocks noChangeAspect="1"/>
+          </p:cNvPicPr>
+          <p:nvPr/>
+        </p:nvPicPr>
+        <p:blipFill>
+          <a:blip r:embed="rId2"/>
+          <a:stretch>
+            <a:fillRect/>
+          </a:stretch>
+        </p:blipFill>
+        <p:spPr>
+          <a:xfrm>
+            <a:off x="1856540" y="3429000"/>
+            <a:ext cx="8478919" cy="1574145"/>
+          </a:xfrm>
+          <a:prstGeom prst="rect">
+            <a:avLst/>
+          </a:prstGeom>
+        </p:spPr>
+      </p:pic>
+    </p:spTree>
+    <p:extLst>
+      <p:ext uri="{BB962C8B-B14F-4D97-AF65-F5344CB8AC3E}">
+        <p14:creationId xmlns:p14="http://schemas.microsoft.com/office/powerpoint/2010/main" val="4265290557"/>
+      </p:ext>
+    </p:extLst>
+  </p:cSld>
+  <p:clrMapOvr>
+    <a:masterClrMapping/>
+  </p:clrMapOvr>
+</p:sld>
+</file>
+
+<file path=ppt/slides/slide11.xml><?xml version="1.0" encoding="utf-8"?>
+<p:sld xmlns:a="http://schemas.openxmlformats.org/drawingml/2006/main" xmlns:r="http://schemas.openxmlformats.org/officeDocument/2006/relationships" xmlns:p="http://schemas.openxmlformats.org/presentationml/2006/main">
+  <p:cSld>
+    <p:bg>
+      <p:bgPr>
+        <a:solidFill>
+          <a:srgbClr val="D5E8F2"/>
+        </a:solidFill>
+        <a:effectLst/>
+      </p:bgPr>
+    </p:bg>
+    <p:spTree>
+      <p:nvGrpSpPr>
+        <p:cNvPr id="1" name=""/>
+        <p:cNvGrpSpPr/>
+        <p:nvPr/>
+      </p:nvGrpSpPr>
+      <p:grpSpPr>
+        <a:xfrm>
+          <a:off x="0" y="0"/>
+          <a:ext cx="0" cy="0"/>
+          <a:chOff x="0" y="0"/>
+          <a:chExt cx="0" cy="0"/>
+        </a:xfrm>
+      </p:grpSpPr>
+      <p:sp>
+        <p:nvSpPr>
+          <p:cNvPr id="3" name="CaixaDeTexto 2">
+            <a:extLst>
+              <a:ext uri="{FF2B5EF4-FFF2-40B4-BE49-F238E27FC236}">
+                <a16:creationId xmlns:a16="http://schemas.microsoft.com/office/drawing/2014/main" id="{A0F6C027-F212-7D4C-3B62-4286D96AD489}"/>
+              </a:ext>
+            </a:extLst>
+          </p:cNvPr>
+          <p:cNvSpPr txBox="1"/>
+          <p:nvPr/>
+        </p:nvSpPr>
+        <p:spPr>
+          <a:xfrm>
+            <a:off x="295835" y="295834"/>
+            <a:ext cx="4051109" cy="784830"/>
+          </a:xfrm>
+          <a:prstGeom prst="rect">
+            <a:avLst/>
+          </a:prstGeom>
+          <a:noFill/>
+        </p:spPr>
+        <p:txBody>
+          <a:bodyPr wrap="none" rtlCol="0">
+            <a:spAutoFit/>
+          </a:bodyPr>
+          <a:lstStyle/>
+          <a:p>
+            <a:r>
+              <a:rPr lang="pt-PT" sz="4500" b="1">
+                <a:solidFill>
+                  <a:schemeClr val="tx2">
+                    <a:lumMod val="90000"/>
+                    <a:lumOff val="10000"/>
+                  </a:schemeClr>
+                </a:solidFill>
+                <a:latin typeface="Clash Display" pitchFamily="2" charset="0"/>
+              </a:rPr>
+              <a:t>Classificação</a:t>
+            </a:r>
+            <a:endParaRPr lang="pt-PT" sz="4500" b="1" dirty="0">
+              <a:solidFill>
+                <a:schemeClr val="tx2">
+                  <a:lumMod val="90000"/>
+                  <a:lumOff val="10000"/>
+                </a:schemeClr>
+              </a:solidFill>
+              <a:latin typeface="Clash Display" pitchFamily="2" charset="0"/>
+            </a:endParaRPr>
+          </a:p>
+        </p:txBody>
+      </p:sp>
+      <p:pic>
+        <p:nvPicPr>
+          <p:cNvPr id="4" name="Imagem 3" descr="Uma imagem com texto, captura de ecrã, Tipo de letra, branco&#10;&#10;Descrição gerada automaticamente">
+            <a:extLst>
+              <a:ext uri="{FF2B5EF4-FFF2-40B4-BE49-F238E27FC236}">
+                <a16:creationId xmlns:a16="http://schemas.microsoft.com/office/drawing/2014/main" id="{DA342D5D-C9F8-6EA8-70A2-601E40E05C42}"/>
+              </a:ext>
+            </a:extLst>
+          </p:cNvPr>
+          <p:cNvPicPr>
+            <a:picLocks noChangeAspect="1"/>
+          </p:cNvPicPr>
+          <p:nvPr/>
+        </p:nvPicPr>
+        <p:blipFill>
+          <a:blip r:embed="rId2"/>
+          <a:stretch>
+            <a:fillRect/>
+          </a:stretch>
+        </p:blipFill>
+        <p:spPr>
+          <a:xfrm>
+            <a:off x="2586000" y="2171897"/>
+            <a:ext cx="7020000" cy="2514205"/>
+          </a:xfrm>
+          <a:prstGeom prst="rect">
+            <a:avLst/>
+          </a:prstGeom>
+        </p:spPr>
+      </p:pic>
+    </p:spTree>
+    <p:extLst>
+      <p:ext uri="{BB962C8B-B14F-4D97-AF65-F5344CB8AC3E}">
+        <p14:creationId xmlns:p14="http://schemas.microsoft.com/office/powerpoint/2010/main" val="2367880628"/>
+      </p:ext>
+    </p:extLst>
+  </p:cSld>
+  <p:clrMapOvr>
+    <a:masterClrMapping/>
+  </p:clrMapOvr>
+</p:sld>
+</file>
+
+<file path=ppt/slides/slide12.xml><?xml version="1.0" encoding="utf-8"?>
+<p:sld xmlns:a="http://schemas.openxmlformats.org/drawingml/2006/main" xmlns:r="http://schemas.openxmlformats.org/officeDocument/2006/relationships" xmlns:p="http://schemas.openxmlformats.org/presentationml/2006/main">
+  <p:cSld>
+    <p:spTree>
+      <p:nvGrpSpPr>
+        <p:cNvPr id="1" name=""/>
+        <p:cNvGrpSpPr/>
+        <p:nvPr/>
+      </p:nvGrpSpPr>
+      <p:grpSpPr>
+        <a:xfrm>
+          <a:off x="0" y="0"/>
+          <a:ext cx="0" cy="0"/>
+          <a:chOff x="0" y="0"/>
+          <a:chExt cx="0" cy="0"/>
+        </a:xfrm>
+      </p:grpSpPr>
+      <p:sp>
+        <p:nvSpPr>
+          <p:cNvPr id="3" name="CaixaDeTexto 2">
+            <a:extLst>
+              <a:ext uri="{FF2B5EF4-FFF2-40B4-BE49-F238E27FC236}">
+                <a16:creationId xmlns:a16="http://schemas.microsoft.com/office/drawing/2014/main" id="{A0F6C027-F212-7D4C-3B62-4286D96AD489}"/>
+              </a:ext>
+            </a:extLst>
+          </p:cNvPr>
+          <p:cNvSpPr txBox="1"/>
+          <p:nvPr/>
+        </p:nvSpPr>
+        <p:spPr>
+          <a:xfrm>
+            <a:off x="295835" y="295834"/>
+            <a:ext cx="3360215" cy="784830"/>
+          </a:xfrm>
+          <a:prstGeom prst="rect">
+            <a:avLst/>
+          </a:prstGeom>
+          <a:noFill/>
+        </p:spPr>
+        <p:txBody>
+          <a:bodyPr wrap="none" rtlCol="0">
+            <a:spAutoFit/>
+          </a:bodyPr>
+          <a:lstStyle/>
+          <a:p>
+            <a:r>
+              <a:rPr lang="pt-PT" sz="4500" b="1" dirty="0">
+                <a:solidFill>
+                  <a:schemeClr val="tx2">
+                    <a:lumMod val="90000"/>
+                    <a:lumOff val="10000"/>
+                  </a:schemeClr>
+                </a:solidFill>
+                <a:latin typeface="Clash Display" pitchFamily="2" charset="0"/>
+              </a:rPr>
+              <a:t>Regressão</a:t>
+            </a:r>
+          </a:p>
+        </p:txBody>
+      </p:sp>
+      <p:sp>
+        <p:nvSpPr>
+          <p:cNvPr id="5" name="CaixaDeTexto 4">
+            <a:extLst>
+              <a:ext uri="{FF2B5EF4-FFF2-40B4-BE49-F238E27FC236}">
+                <a16:creationId xmlns:a16="http://schemas.microsoft.com/office/drawing/2014/main" id="{60E1267D-2D33-CDDE-B908-FF68EFE2FF68}"/>
+              </a:ext>
+            </a:extLst>
+          </p:cNvPr>
+          <p:cNvSpPr txBox="1"/>
+          <p:nvPr/>
+        </p:nvSpPr>
+        <p:spPr>
+          <a:xfrm>
+            <a:off x="564776" y="1546412"/>
+            <a:ext cx="11062448" cy="400110"/>
+          </a:xfrm>
+          <a:prstGeom prst="rect">
+            <a:avLst/>
+          </a:prstGeom>
+          <a:noFill/>
+        </p:spPr>
+        <p:txBody>
+          <a:bodyPr wrap="square" rtlCol="0">
+            <a:spAutoFit/>
+          </a:bodyPr>
+          <a:lstStyle/>
+          <a:p>
+            <a:r>
+              <a:rPr lang="pt-PT" sz="2000" b="1" dirty="0">
+                <a:latin typeface="Inter Tight" pitchFamily="2" charset="0"/>
+                <a:ea typeface="Inter Tight" pitchFamily="2" charset="0"/>
+                <a:cs typeface="Inter Tight" pitchFamily="2" charset="0"/>
+              </a:rPr>
+              <a:t>Objetivo:</a:t>
+            </a:r>
+            <a:r>
+              <a:rPr lang="pt-PT" sz="2000" dirty="0">
+                <a:latin typeface="Inter Tight" pitchFamily="2" charset="0"/>
+                <a:ea typeface="Inter Tight" pitchFamily="2" charset="0"/>
+                <a:cs typeface="Inter Tight" pitchFamily="2" charset="0"/>
+              </a:rPr>
+              <a:t> </a:t>
+            </a:r>
+            <a:r>
+              <a:rPr lang="pt-PT" sz="2000" i="0" dirty="0">
+                <a:effectLst/>
+                <a:latin typeface="Inter Tight" pitchFamily="2" charset="0"/>
+                <a:ea typeface="Inter Tight" pitchFamily="2" charset="0"/>
+                <a:cs typeface="Inter Tight" pitchFamily="2" charset="0"/>
+              </a:rPr>
+              <a:t>Desenvolver modelos de regressão que permitam prever corretamente o tipo de vinho.</a:t>
+            </a:r>
+            <a:r>
+              <a:rPr lang="pt-PT" sz="2000" dirty="0">
+                <a:latin typeface="Inter Tight" pitchFamily="2" charset="0"/>
+                <a:ea typeface="Inter Tight" pitchFamily="2" charset="0"/>
+                <a:cs typeface="Inter Tight" pitchFamily="2" charset="0"/>
+              </a:rPr>
+              <a:t> </a:t>
+            </a:r>
+          </a:p>
+        </p:txBody>
+      </p:sp>
+      <p:sp>
+        <p:nvSpPr>
+          <p:cNvPr id="20" name="CaixaDeTexto 19">
+            <a:extLst>
+              <a:ext uri="{FF2B5EF4-FFF2-40B4-BE49-F238E27FC236}">
+                <a16:creationId xmlns:a16="http://schemas.microsoft.com/office/drawing/2014/main" id="{8CB127C8-A5E4-420B-37A5-F5206102888A}"/>
+              </a:ext>
+            </a:extLst>
+          </p:cNvPr>
+          <p:cNvSpPr txBox="1"/>
+          <p:nvPr/>
+        </p:nvSpPr>
+        <p:spPr>
+          <a:xfrm>
+            <a:off x="564776" y="2412270"/>
+            <a:ext cx="2443298" cy="400110"/>
+          </a:xfrm>
+          <a:prstGeom prst="rect">
+            <a:avLst/>
+          </a:prstGeom>
+          <a:noFill/>
+        </p:spPr>
+        <p:txBody>
+          <a:bodyPr wrap="none" rtlCol="0">
+            <a:spAutoFit/>
+          </a:bodyPr>
+          <a:lstStyle/>
+          <a:p>
+            <a:r>
+              <a:rPr lang="pt-PT" sz="2000" dirty="0">
+                <a:latin typeface="Inter Tight" pitchFamily="2" charset="0"/>
+                <a:ea typeface="Inter Tight" pitchFamily="2" charset="0"/>
+                <a:cs typeface="Inter Tight" pitchFamily="2" charset="0"/>
+              </a:rPr>
+              <a:t>Pré-processamento:</a:t>
+            </a:r>
+          </a:p>
+        </p:txBody>
+      </p:sp>
+      <p:pic>
+        <p:nvPicPr>
+          <p:cNvPr id="22" name="Imagem 21">
+            <a:extLst>
+              <a:ext uri="{FF2B5EF4-FFF2-40B4-BE49-F238E27FC236}">
+                <a16:creationId xmlns:a16="http://schemas.microsoft.com/office/drawing/2014/main" id="{0CFFCAEC-4D61-504F-2970-5DF278650BCB}"/>
+              </a:ext>
+            </a:extLst>
+          </p:cNvPr>
+          <p:cNvPicPr>
+            <a:picLocks noChangeAspect="1"/>
+          </p:cNvPicPr>
+          <p:nvPr/>
+        </p:nvPicPr>
+        <p:blipFill>
+          <a:blip r:embed="rId2"/>
+          <a:srcRect/>
+          <a:stretch/>
+        </p:blipFill>
+        <p:spPr>
+          <a:xfrm>
+            <a:off x="1856540" y="3443100"/>
+            <a:ext cx="8478919" cy="1545945"/>
+          </a:xfrm>
+          <a:prstGeom prst="rect">
+            <a:avLst/>
+          </a:prstGeom>
+        </p:spPr>
+      </p:pic>
+    </p:spTree>
+    <p:extLst>
+      <p:ext uri="{BB962C8B-B14F-4D97-AF65-F5344CB8AC3E}">
+        <p14:creationId xmlns:p14="http://schemas.microsoft.com/office/powerpoint/2010/main" val="1104997793"/>
+      </p:ext>
+    </p:extLst>
+  </p:cSld>
+  <p:clrMapOvr>
+    <a:masterClrMapping/>
+  </p:clrMapOvr>
+</p:sld>
+</file>
+
+<file path=ppt/slides/slide13.xml><?xml version="1.0" encoding="utf-8"?>
+<p:sld xmlns:a="http://schemas.openxmlformats.org/drawingml/2006/main" xmlns:r="http://schemas.openxmlformats.org/officeDocument/2006/relationships" xmlns:p="http://schemas.openxmlformats.org/presentationml/2006/main">
+  <p:cSld>
+    <p:bg>
+      <p:bgPr>
+        <a:solidFill>
+          <a:srgbClr val="D5E8F2"/>
+        </a:solidFill>
+        <a:effectLst/>
+      </p:bgPr>
+    </p:bg>
+    <p:spTree>
+      <p:nvGrpSpPr>
+        <p:cNvPr id="1" name=""/>
+        <p:cNvGrpSpPr/>
+        <p:nvPr/>
+      </p:nvGrpSpPr>
+      <p:grpSpPr>
+        <a:xfrm>
+          <a:off x="0" y="0"/>
+          <a:ext cx="0" cy="0"/>
+          <a:chOff x="0" y="0"/>
+          <a:chExt cx="0" cy="0"/>
+        </a:xfrm>
+      </p:grpSpPr>
+      <p:sp>
+        <p:nvSpPr>
+          <p:cNvPr id="3" name="CaixaDeTexto 2">
+            <a:extLst>
+              <a:ext uri="{FF2B5EF4-FFF2-40B4-BE49-F238E27FC236}">
+                <a16:creationId xmlns:a16="http://schemas.microsoft.com/office/drawing/2014/main" id="{A0F6C027-F212-7D4C-3B62-4286D96AD489}"/>
+              </a:ext>
+            </a:extLst>
+          </p:cNvPr>
+          <p:cNvSpPr txBox="1"/>
+          <p:nvPr/>
+        </p:nvSpPr>
+        <p:spPr>
+          <a:xfrm>
+            <a:off x="295835" y="295834"/>
+            <a:ext cx="3360215" cy="784830"/>
+          </a:xfrm>
+          <a:prstGeom prst="rect">
+            <a:avLst/>
+          </a:prstGeom>
+          <a:noFill/>
+        </p:spPr>
+        <p:txBody>
+          <a:bodyPr wrap="none" rtlCol="0">
+            <a:spAutoFit/>
+          </a:bodyPr>
+          <a:lstStyle/>
+          <a:p>
+            <a:r>
+              <a:rPr lang="pt-PT" sz="4500" b="1" dirty="0">
+                <a:solidFill>
+                  <a:schemeClr val="tx2">
+                    <a:lumMod val="90000"/>
+                    <a:lumOff val="10000"/>
+                  </a:schemeClr>
+                </a:solidFill>
+                <a:latin typeface="Clash Display" pitchFamily="2" charset="0"/>
+              </a:rPr>
+              <a:t>Regressão</a:t>
+            </a:r>
+          </a:p>
+        </p:txBody>
+      </p:sp>
+      <p:pic>
+        <p:nvPicPr>
+          <p:cNvPr id="4" name="Imagem 3" descr="Uma imagem com texto, captura de ecrã, Tipo de letra, branco&#10;&#10;Descrição gerada automaticamente">
+            <a:extLst>
+              <a:ext uri="{FF2B5EF4-FFF2-40B4-BE49-F238E27FC236}">
+                <a16:creationId xmlns:a16="http://schemas.microsoft.com/office/drawing/2014/main" id="{8A80AB9D-1D00-A790-970B-6E57C218BD54}"/>
+              </a:ext>
+            </a:extLst>
+          </p:cNvPr>
+          <p:cNvPicPr>
+            <a:picLocks noChangeAspect="1"/>
+          </p:cNvPicPr>
+          <p:nvPr/>
+        </p:nvPicPr>
+        <p:blipFill>
+          <a:blip r:embed="rId2"/>
+          <a:stretch>
+            <a:fillRect/>
+          </a:stretch>
+        </p:blipFill>
+        <p:spPr>
+          <a:xfrm>
+            <a:off x="2586000" y="2066201"/>
+            <a:ext cx="7020000" cy="2725598"/>
+          </a:xfrm>
+          <a:prstGeom prst="rect">
+            <a:avLst/>
+          </a:prstGeom>
+        </p:spPr>
+      </p:pic>
+    </p:spTree>
+    <p:extLst>
+      <p:ext uri="{BB962C8B-B14F-4D97-AF65-F5344CB8AC3E}">
+        <p14:creationId xmlns:p14="http://schemas.microsoft.com/office/powerpoint/2010/main" val="1881553732"/>
       </p:ext>
     </p:extLst>
   </p:cSld>
@@ -4136,14 +5141,6 @@
 <file path=ppt/slides/slide3.xml><?xml version="1.0" encoding="utf-8"?>
 <p:sld xmlns:a="http://schemas.openxmlformats.org/drawingml/2006/main" xmlns:r="http://schemas.openxmlformats.org/officeDocument/2006/relationships" xmlns:p="http://schemas.openxmlformats.org/presentationml/2006/main">
   <p:cSld>
-    <p:bg>
-      <p:bgPr>
-        <a:solidFill>
-          <a:srgbClr val="D5E8F2"/>
-        </a:solidFill>
-        <a:effectLst/>
-      </p:bgPr>
-    </p:bg>
     <p:spTree>
       <p:nvGrpSpPr>
         <p:cNvPr id="1" name=""/>
@@ -4173,7 +5170,7 @@
         <p:spPr>
           <a:xfrm>
             <a:off x="295835" y="295834"/>
-            <a:ext cx="8804013" cy="784830"/>
+            <a:ext cx="7283725" cy="784830"/>
           </a:xfrm>
           <a:prstGeom prst="rect">
             <a:avLst/>
@@ -4201,12 +5198,82 @@
           </a:p>
         </p:txBody>
       </p:sp>
+      <p:sp>
+        <p:nvSpPr>
+          <p:cNvPr id="5" name="CaixaDeTexto 4">
+            <a:extLst>
+              <a:ext uri="{FF2B5EF4-FFF2-40B4-BE49-F238E27FC236}">
+                <a16:creationId xmlns:a16="http://schemas.microsoft.com/office/drawing/2014/main" id="{60E1267D-2D33-CDDE-B908-FF68EFE2FF68}"/>
+              </a:ext>
+            </a:extLst>
+          </p:cNvPr>
+          <p:cNvSpPr txBox="1"/>
+          <p:nvPr/>
+        </p:nvSpPr>
+        <p:spPr>
+          <a:xfrm>
+            <a:off x="564776" y="1546412"/>
+            <a:ext cx="11062448" cy="400110"/>
+          </a:xfrm>
+          <a:prstGeom prst="rect">
+            <a:avLst/>
+          </a:prstGeom>
+          <a:noFill/>
+        </p:spPr>
+        <p:txBody>
+          <a:bodyPr wrap="square" rtlCol="0">
+            <a:spAutoFit/>
+          </a:bodyPr>
+          <a:lstStyle/>
+          <a:p>
+            <a:r>
+              <a:rPr lang="pt-PT" sz="2000" b="1" dirty="0">
+                <a:latin typeface="Inter Tight" pitchFamily="2" charset="0"/>
+                <a:ea typeface="Inter Tight" pitchFamily="2" charset="0"/>
+                <a:cs typeface="Inter Tight" pitchFamily="2" charset="0"/>
+              </a:rPr>
+              <a:t>Objetivo:</a:t>
+            </a:r>
+            <a:r>
+              <a:rPr lang="pt-PT" sz="2000" dirty="0">
+                <a:latin typeface="Inter Tight" pitchFamily="2" charset="0"/>
+                <a:ea typeface="Inter Tight" pitchFamily="2" charset="0"/>
+                <a:cs typeface="Inter Tight" pitchFamily="2" charset="0"/>
+              </a:rPr>
+              <a:t> D</a:t>
+            </a:r>
+            <a:r>
+              <a:rPr lang="pt-PT" sz="2000" i="0" dirty="0">
+                <a:effectLst/>
+                <a:latin typeface="Inter Tight" pitchFamily="2" charset="0"/>
+                <a:ea typeface="Inter Tight" pitchFamily="2" charset="0"/>
+                <a:cs typeface="Inter Tight" pitchFamily="2" charset="0"/>
+              </a:rPr>
+              <a:t>escobrir e visualizar a informação sobre as colunas que compõem o </a:t>
+            </a:r>
+            <a:r>
+              <a:rPr lang="pt-PT" sz="2000" i="0" dirty="0" err="1">
+                <a:effectLst/>
+                <a:latin typeface="Inter Tight" pitchFamily="2" charset="0"/>
+                <a:ea typeface="Inter Tight" pitchFamily="2" charset="0"/>
+                <a:cs typeface="Inter Tight" pitchFamily="2" charset="0"/>
+              </a:rPr>
+              <a:t>dataset</a:t>
+            </a:r>
+            <a:endParaRPr lang="pt-PT" sz="2000" dirty="0">
+              <a:latin typeface="Inter Tight" pitchFamily="2" charset="0"/>
+              <a:ea typeface="Inter Tight" pitchFamily="2" charset="0"/>
+              <a:cs typeface="Inter Tight" pitchFamily="2" charset="0"/>
+            </a:endParaRPr>
+          </a:p>
+        </p:txBody>
+      </p:sp>
       <p:pic>
         <p:nvPicPr>
-          <p:cNvPr id="7" name="Imagem 6" descr="Uma imagem com texto, recibo, captura de ecrã, branco&#10;&#10;Descrição gerada automaticamente">
-            <a:extLst>
-              <a:ext uri="{FF2B5EF4-FFF2-40B4-BE49-F238E27FC236}">
-                <a16:creationId xmlns:a16="http://schemas.microsoft.com/office/drawing/2014/main" id="{28D5B1D0-3212-7DD9-13A4-3834170459FE}"/>
+          <p:cNvPr id="13" name="Imagem 12" descr="Uma imagem com texto, captura de ecrã, Tipo de letra, número&#10;&#10;Descrição gerada automaticamente">
+            <a:extLst>
+              <a:ext uri="{FF2B5EF4-FFF2-40B4-BE49-F238E27FC236}">
+                <a16:creationId xmlns:a16="http://schemas.microsoft.com/office/drawing/2014/main" id="{2121BEDD-1B0B-59E9-1194-0B5A85405E4F}"/>
               </a:ext>
             </a:extLst>
           </p:cNvPr>
@@ -4223,8 +5290,8 @@
         </p:blipFill>
         <p:spPr>
           <a:xfrm>
-            <a:off x="870102" y="1727426"/>
-            <a:ext cx="10451796" cy="1710120"/>
+            <a:off x="3229805" y="2412270"/>
+            <a:ext cx="5732389" cy="3619639"/>
           </a:xfrm>
           <a:prstGeom prst="rect">
             <a:avLst/>
@@ -4234,7 +5301,7 @@
     </p:spTree>
     <p:extLst>
       <p:ext uri="{BB962C8B-B14F-4D97-AF65-F5344CB8AC3E}">
-        <p14:creationId xmlns:p14="http://schemas.microsoft.com/office/powerpoint/2010/main" val="2362906552"/>
+        <p14:creationId xmlns:p14="http://schemas.microsoft.com/office/powerpoint/2010/main" val="1027735409"/>
       </p:ext>
     </p:extLst>
   </p:cSld>
@@ -4276,7 +5343,7 @@
         <p:spPr>
           <a:xfrm>
             <a:off x="295835" y="295834"/>
-            <a:ext cx="4051109" cy="784830"/>
+            <a:ext cx="7283725" cy="784830"/>
           </a:xfrm>
           <a:prstGeom prst="rect">
             <a:avLst/>
@@ -4290,7 +5357,7 @@
           <a:lstStyle/>
           <a:p>
             <a:r>
-              <a:rPr lang="pt-PT" sz="4500" b="1">
+              <a:rPr lang="pt-PT" sz="4500" b="1" dirty="0">
                 <a:solidFill>
                   <a:schemeClr val="tx2">
                     <a:lumMod val="90000"/>
@@ -4299,26 +5366,46 @@
                 </a:solidFill>
                 <a:latin typeface="Clash Display" pitchFamily="2" charset="0"/>
               </a:rPr>
-              <a:t>Classificação</a:t>
-            </a:r>
-            <a:endParaRPr lang="pt-PT" sz="4500" b="1" dirty="0">
-              <a:solidFill>
-                <a:schemeClr val="tx2">
-                  <a:lumMod val="90000"/>
-                  <a:lumOff val="10000"/>
-                </a:schemeClr>
-              </a:solidFill>
-              <a:latin typeface="Clash Display" pitchFamily="2" charset="0"/>
-            </a:endParaRPr>
-          </a:p>
-        </p:txBody>
-      </p:sp>
-      <p:sp>
-        <p:nvSpPr>
-          <p:cNvPr id="5" name="CaixaDeTexto 4">
-            <a:extLst>
-              <a:ext uri="{FF2B5EF4-FFF2-40B4-BE49-F238E27FC236}">
-                <a16:creationId xmlns:a16="http://schemas.microsoft.com/office/drawing/2014/main" id="{60E1267D-2D33-CDDE-B908-FF68EFE2FF68}"/>
+              <a:t>Análise exploratória de dados</a:t>
+            </a:r>
+          </a:p>
+        </p:txBody>
+      </p:sp>
+      <p:pic>
+        <p:nvPicPr>
+          <p:cNvPr id="4" name="Imagem 3">
+            <a:extLst>
+              <a:ext uri="{FF2B5EF4-FFF2-40B4-BE49-F238E27FC236}">
+                <a16:creationId xmlns:a16="http://schemas.microsoft.com/office/drawing/2014/main" id="{C9CC8B7E-6B0E-2668-BC24-DF24DC39388F}"/>
+              </a:ext>
+            </a:extLst>
+          </p:cNvPr>
+          <p:cNvPicPr>
+            <a:picLocks noChangeAspect="1"/>
+          </p:cNvPicPr>
+          <p:nvPr/>
+        </p:nvPicPr>
+        <p:blipFill rotWithShape="1">
+          <a:blip r:embed="rId2"/>
+          <a:srcRect t="2746"/>
+          <a:stretch/>
+        </p:blipFill>
+        <p:spPr>
+          <a:xfrm>
+            <a:off x="2961721" y="1238864"/>
+            <a:ext cx="8713097" cy="5601799"/>
+          </a:xfrm>
+          <a:prstGeom prst="rect">
+            <a:avLst/>
+          </a:prstGeom>
+        </p:spPr>
+      </p:pic>
+      <p:sp>
+        <p:nvSpPr>
+          <p:cNvPr id="2" name="CaixaDeTexto 1">
+            <a:extLst>
+              <a:ext uri="{FF2B5EF4-FFF2-40B4-BE49-F238E27FC236}">
+                <a16:creationId xmlns:a16="http://schemas.microsoft.com/office/drawing/2014/main" id="{9BBE6C97-C1B9-6768-772C-A921A8B11B62}"/>
               </a:ext>
             </a:extLst>
           </p:cNvPr>
@@ -4327,8 +5414,8 @@
         </p:nvSpPr>
         <p:spPr>
           <a:xfrm>
-            <a:off x="1129553" y="1546412"/>
-            <a:ext cx="8922314" cy="646331"/>
+            <a:off x="295835" y="1445342"/>
+            <a:ext cx="1827933" cy="1323439"/>
           </a:xfrm>
           <a:prstGeom prst="rect">
             <a:avLst/>
@@ -4336,66 +5423,17 @@
           <a:noFill/>
         </p:spPr>
         <p:txBody>
-          <a:bodyPr wrap="none" rtlCol="0">
+          <a:bodyPr wrap="square" rtlCol="0">
             <a:spAutoFit/>
           </a:bodyPr>
           <a:lstStyle/>
           <a:p>
-            <a:r>
-              <a:rPr lang="pt-PT" dirty="0"/>
-              <a:t>Objetivo:</a:t>
-            </a:r>
-          </a:p>
-          <a:p>
-            <a:r>
-              <a:rPr lang="pt-PT" dirty="0"/>
-              <a:t>- </a:t>
-            </a:r>
-            <a:r>
-              <a:rPr lang="pt-PT" b="1" i="0" dirty="0">
-                <a:effectLst/>
-                <a:latin typeface="system-ui"/>
+            <a:pPr algn="just"/>
+            <a:r>
+              <a:rPr lang="pt-PT" sz="2000" dirty="0">
+                <a:latin typeface="Clash Display"/>
               </a:rPr>
-              <a:t>Desenvolver modelos de classificação que permitam prever corretamente o tipo de vinho.</a:t>
-            </a:r>
-            <a:r>
-              <a:rPr lang="pt-PT" dirty="0"/>
-              <a:t> </a:t>
-            </a:r>
-          </a:p>
-        </p:txBody>
-      </p:sp>
-      <p:sp>
-        <p:nvSpPr>
-          <p:cNvPr id="6" name="CaixaDeTexto 5">
-            <a:extLst>
-              <a:ext uri="{FF2B5EF4-FFF2-40B4-BE49-F238E27FC236}">
-                <a16:creationId xmlns:a16="http://schemas.microsoft.com/office/drawing/2014/main" id="{EB64C8E0-B5E0-CEF2-F19E-E40D34B2EAD1}"/>
-              </a:ext>
-            </a:extLst>
-          </p:cNvPr>
-          <p:cNvSpPr txBox="1"/>
-          <p:nvPr/>
-        </p:nvSpPr>
-        <p:spPr>
-          <a:xfrm>
-            <a:off x="1277471" y="2918012"/>
-            <a:ext cx="2223622" cy="369332"/>
-          </a:xfrm>
-          <a:prstGeom prst="rect">
-            <a:avLst/>
-          </a:prstGeom>
-          <a:noFill/>
-        </p:spPr>
-        <p:txBody>
-          <a:bodyPr wrap="none" rtlCol="0">
-            <a:spAutoFit/>
-          </a:bodyPr>
-          <a:lstStyle/>
-          <a:p>
-            <a:r>
-              <a:rPr lang="pt-PT" dirty="0"/>
-              <a:t>Pré-processamento:</a:t>
+              <a:t>Distribuição das Características Químicas dos Vinhos</a:t>
             </a:r>
           </a:p>
         </p:txBody>
@@ -4403,7 +5441,7 @@
     </p:spTree>
     <p:extLst>
       <p:ext uri="{BB962C8B-B14F-4D97-AF65-F5344CB8AC3E}">
-        <p14:creationId xmlns:p14="http://schemas.microsoft.com/office/powerpoint/2010/main" val="1194507242"/>
+        <p14:creationId xmlns:p14="http://schemas.microsoft.com/office/powerpoint/2010/main" val="3754452027"/>
       </p:ext>
     </p:extLst>
   </p:cSld>
@@ -4445,7 +5483,7 @@
         <p:spPr>
           <a:xfrm>
             <a:off x="295835" y="295834"/>
-            <a:ext cx="4051109" cy="784830"/>
+            <a:ext cx="7283725" cy="784830"/>
           </a:xfrm>
           <a:prstGeom prst="rect">
             <a:avLst/>
@@ -4468,17 +5506,46 @@
                 </a:solidFill>
                 <a:latin typeface="Clash Display" pitchFamily="2" charset="0"/>
               </a:rPr>
-              <a:t>Classificação</a:t>
-            </a:r>
-          </a:p>
-        </p:txBody>
-      </p:sp>
-      <p:sp>
-        <p:nvSpPr>
-          <p:cNvPr id="5" name="CaixaDeTexto 4">
-            <a:extLst>
-              <a:ext uri="{FF2B5EF4-FFF2-40B4-BE49-F238E27FC236}">
-                <a16:creationId xmlns:a16="http://schemas.microsoft.com/office/drawing/2014/main" id="{60E1267D-2D33-CDDE-B908-FF68EFE2FF68}"/>
+              <a:t>Análise exploratória de dados</a:t>
+            </a:r>
+          </a:p>
+        </p:txBody>
+      </p:sp>
+      <p:pic>
+        <p:nvPicPr>
+          <p:cNvPr id="4" name="Imagem 3">
+            <a:extLst>
+              <a:ext uri="{FF2B5EF4-FFF2-40B4-BE49-F238E27FC236}">
+                <a16:creationId xmlns:a16="http://schemas.microsoft.com/office/drawing/2014/main" id="{C9CC8B7E-6B0E-2668-BC24-DF24DC39388F}"/>
+              </a:ext>
+            </a:extLst>
+          </p:cNvPr>
+          <p:cNvPicPr>
+            <a:picLocks noChangeAspect="1"/>
+          </p:cNvPicPr>
+          <p:nvPr/>
+        </p:nvPicPr>
+        <p:blipFill rotWithShape="1">
+          <a:blip r:embed="rId2"/>
+          <a:srcRect t="2746"/>
+          <a:stretch/>
+        </p:blipFill>
+        <p:spPr>
+          <a:xfrm>
+            <a:off x="2961721" y="1238864"/>
+            <a:ext cx="8713096" cy="5601799"/>
+          </a:xfrm>
+          <a:prstGeom prst="rect">
+            <a:avLst/>
+          </a:prstGeom>
+        </p:spPr>
+      </p:pic>
+      <p:sp>
+        <p:nvSpPr>
+          <p:cNvPr id="2" name="CaixaDeTexto 1">
+            <a:extLst>
+              <a:ext uri="{FF2B5EF4-FFF2-40B4-BE49-F238E27FC236}">
+                <a16:creationId xmlns:a16="http://schemas.microsoft.com/office/drawing/2014/main" id="{9BBE6C97-C1B9-6768-772C-A921A8B11B62}"/>
               </a:ext>
             </a:extLst>
           </p:cNvPr>
@@ -4487,8 +5554,8 @@
         </p:nvSpPr>
         <p:spPr>
           <a:xfrm>
-            <a:off x="564776" y="1546412"/>
-            <a:ext cx="11062448" cy="400110"/>
+            <a:off x="8076210" y="6211467"/>
+            <a:ext cx="3598607" cy="369332"/>
           </a:xfrm>
           <a:prstGeom prst="rect">
             <a:avLst/>
@@ -4501,48 +5568,34 @@
           </a:bodyPr>
           <a:lstStyle/>
           <a:p>
-            <a:r>
-              <a:rPr lang="pt-PT" sz="2000" b="1" dirty="0">
-                <a:latin typeface="Inter Tight" pitchFamily="2" charset="0"/>
-                <a:ea typeface="Inter Tight" pitchFamily="2" charset="0"/>
-                <a:cs typeface="Inter Tight" pitchFamily="2" charset="0"/>
+            <a:pPr algn="just"/>
+            <a:r>
+              <a:rPr lang="pt-PT" dirty="0">
+                <a:latin typeface="Clash Display"/>
               </a:rPr>
-              <a:t>Objetivo:</a:t>
-            </a:r>
-            <a:r>
-              <a:rPr lang="pt-PT" sz="2000" dirty="0">
-                <a:latin typeface="Inter Tight" pitchFamily="2" charset="0"/>
-                <a:ea typeface="Inter Tight" pitchFamily="2" charset="0"/>
-                <a:cs typeface="Inter Tight" pitchFamily="2" charset="0"/>
+              <a:t>Remoção dos </a:t>
+            </a:r>
+            <a:r>
+              <a:rPr lang="pt-PT" dirty="0" err="1">
+                <a:latin typeface="Clash Display"/>
               </a:rPr>
-              <a:t> </a:t>
-            </a:r>
-            <a:r>
-              <a:rPr lang="pt-PT" sz="2000" i="0" dirty="0">
-                <a:effectLst/>
-                <a:latin typeface="Inter Tight" pitchFamily="2" charset="0"/>
-                <a:ea typeface="Inter Tight" pitchFamily="2" charset="0"/>
-                <a:cs typeface="Inter Tight" pitchFamily="2" charset="0"/>
+              <a:t>outliers</a:t>
+            </a:r>
+            <a:r>
+              <a:rPr lang="pt-PT" dirty="0">
+                <a:latin typeface="Clash Display"/>
               </a:rPr>
-              <a:t>Desenvolver modelos de classificação que permitam prever corretamente o tipo de vinho.</a:t>
-            </a:r>
-            <a:r>
-              <a:rPr lang="pt-PT" sz="2000" dirty="0">
-                <a:latin typeface="Inter Tight" pitchFamily="2" charset="0"/>
-                <a:ea typeface="Inter Tight" pitchFamily="2" charset="0"/>
-                <a:cs typeface="Inter Tight" pitchFamily="2" charset="0"/>
-              </a:rPr>
-              <a:t> </a:t>
-            </a:r>
-          </a:p>
-        </p:txBody>
-      </p:sp>
-      <p:sp>
-        <p:nvSpPr>
-          <p:cNvPr id="20" name="CaixaDeTexto 19">
-            <a:extLst>
-              <a:ext uri="{FF2B5EF4-FFF2-40B4-BE49-F238E27FC236}">
-                <a16:creationId xmlns:a16="http://schemas.microsoft.com/office/drawing/2014/main" id="{8CB127C8-A5E4-420B-37A5-F5206102888A}"/>
+              <a:t> (em números)</a:t>
+            </a:r>
+          </a:p>
+        </p:txBody>
+      </p:sp>
+      <p:sp>
+        <p:nvSpPr>
+          <p:cNvPr id="6" name="CaixaDeTexto 5">
+            <a:extLst>
+              <a:ext uri="{FF2B5EF4-FFF2-40B4-BE49-F238E27FC236}">
+                <a16:creationId xmlns:a16="http://schemas.microsoft.com/office/drawing/2014/main" id="{284D1F13-1444-87BA-7F15-CBC4FD5905BA}"/>
               </a:ext>
             </a:extLst>
           </p:cNvPr>
@@ -4551,8 +5604,8 @@
         </p:nvSpPr>
         <p:spPr>
           <a:xfrm>
-            <a:off x="564776" y="2412270"/>
-            <a:ext cx="2443298" cy="400110"/>
+            <a:off x="295835" y="1445342"/>
+            <a:ext cx="1827933" cy="1323439"/>
           </a:xfrm>
           <a:prstGeom prst="rect">
             <a:avLst/>
@@ -4560,28 +5613,112 @@
           <a:noFill/>
         </p:spPr>
         <p:txBody>
+          <a:bodyPr wrap="square" rtlCol="0">
+            <a:spAutoFit/>
+          </a:bodyPr>
+          <a:lstStyle/>
+          <a:p>
+            <a:pPr algn="just"/>
+            <a:r>
+              <a:rPr lang="pt-PT" sz="2000" dirty="0">
+                <a:latin typeface="Clash Display"/>
+              </a:rPr>
+              <a:t>Distribuição das Características Químicas dos Vinhos</a:t>
+            </a:r>
+          </a:p>
+        </p:txBody>
+      </p:sp>
+    </p:spTree>
+    <p:extLst>
+      <p:ext uri="{BB962C8B-B14F-4D97-AF65-F5344CB8AC3E}">
+        <p14:creationId xmlns:p14="http://schemas.microsoft.com/office/powerpoint/2010/main" val="785319034"/>
+      </p:ext>
+    </p:extLst>
+  </p:cSld>
+  <p:clrMapOvr>
+    <a:masterClrMapping/>
+  </p:clrMapOvr>
+  <mc:AlternateContent xmlns:mc="http://schemas.openxmlformats.org/markup-compatibility/2006">
+    <mc:Choice xmlns:p159="http://schemas.microsoft.com/office/powerpoint/2015/09/main" Requires="p159">
+      <p:transition xmlns:p14="http://schemas.microsoft.com/office/powerpoint/2010/main" spd="slow" p14:dur="2000">
+        <p159:morph option="byObject"/>
+      </p:transition>
+    </mc:Choice>
+    <mc:Fallback>
+      <p:transition spd="slow">
+        <p:fade/>
+      </p:transition>
+    </mc:Fallback>
+  </mc:AlternateContent>
+</p:sld>
+</file>
+
+<file path=ppt/slides/slide6.xml><?xml version="1.0" encoding="utf-8"?>
+<p:sld xmlns:a="http://schemas.openxmlformats.org/drawingml/2006/main" xmlns:r="http://schemas.openxmlformats.org/officeDocument/2006/relationships" xmlns:p="http://schemas.openxmlformats.org/presentationml/2006/main">
+  <p:cSld>
+    <p:spTree>
+      <p:nvGrpSpPr>
+        <p:cNvPr id="1" name=""/>
+        <p:cNvGrpSpPr/>
+        <p:nvPr/>
+      </p:nvGrpSpPr>
+      <p:grpSpPr>
+        <a:xfrm>
+          <a:off x="0" y="0"/>
+          <a:ext cx="0" cy="0"/>
+          <a:chOff x="0" y="0"/>
+          <a:chExt cx="0" cy="0"/>
+        </a:xfrm>
+      </p:grpSpPr>
+      <p:sp>
+        <p:nvSpPr>
+          <p:cNvPr id="3" name="CaixaDeTexto 2">
+            <a:extLst>
+              <a:ext uri="{FF2B5EF4-FFF2-40B4-BE49-F238E27FC236}">
+                <a16:creationId xmlns:a16="http://schemas.microsoft.com/office/drawing/2014/main" id="{A0F6C027-F212-7D4C-3B62-4286D96AD489}"/>
+              </a:ext>
+            </a:extLst>
+          </p:cNvPr>
+          <p:cNvSpPr txBox="1"/>
+          <p:nvPr/>
+        </p:nvSpPr>
+        <p:spPr>
+          <a:xfrm>
+            <a:off x="295835" y="295834"/>
+            <a:ext cx="7283725" cy="784830"/>
+          </a:xfrm>
+          <a:prstGeom prst="rect">
+            <a:avLst/>
+          </a:prstGeom>
+          <a:noFill/>
+        </p:spPr>
+        <p:txBody>
           <a:bodyPr wrap="none" rtlCol="0">
             <a:spAutoFit/>
           </a:bodyPr>
           <a:lstStyle/>
           <a:p>
             <a:r>
-              <a:rPr lang="pt-PT" sz="2000" dirty="0">
-                <a:latin typeface="Inter Tight" pitchFamily="2" charset="0"/>
-                <a:ea typeface="Inter Tight" pitchFamily="2" charset="0"/>
-                <a:cs typeface="Inter Tight" pitchFamily="2" charset="0"/>
+              <a:rPr lang="pt-PT" sz="4500" b="1" dirty="0">
+                <a:solidFill>
+                  <a:schemeClr val="tx2">
+                    <a:lumMod val="90000"/>
+                    <a:lumOff val="10000"/>
+                  </a:schemeClr>
+                </a:solidFill>
+                <a:latin typeface="Clash Display" pitchFamily="2" charset="0"/>
               </a:rPr>
-              <a:t>Pré-processamento:</a:t>
+              <a:t>Análise exploratória de dados</a:t>
             </a:r>
           </a:p>
         </p:txBody>
       </p:sp>
       <p:pic>
         <p:nvPicPr>
-          <p:cNvPr id="22" name="Imagem 21" descr="Uma imagem com texto, Tipo de letra, file, captura de ecrã&#10;&#10;Descrição gerada automaticamente">
-            <a:extLst>
-              <a:ext uri="{FF2B5EF4-FFF2-40B4-BE49-F238E27FC236}">
-                <a16:creationId xmlns:a16="http://schemas.microsoft.com/office/drawing/2014/main" id="{0CFFCAEC-4D61-504F-2970-5DF278650BCB}"/>
+          <p:cNvPr id="4" name="Imagem 3">
+            <a:extLst>
+              <a:ext uri="{FF2B5EF4-FFF2-40B4-BE49-F238E27FC236}">
+                <a16:creationId xmlns:a16="http://schemas.microsoft.com/office/drawing/2014/main" id="{C9CC8B7E-6B0E-2668-BC24-DF24DC39388F}"/>
               </a:ext>
             </a:extLst>
           </p:cNvPr>
@@ -4592,14 +5729,13 @@
         </p:nvPicPr>
         <p:blipFill>
           <a:blip r:embed="rId2"/>
-          <a:stretch>
-            <a:fillRect/>
-          </a:stretch>
+          <a:srcRect/>
+          <a:stretch/>
         </p:blipFill>
         <p:spPr>
           <a:xfrm>
-            <a:off x="1856540" y="3429000"/>
-            <a:ext cx="8478919" cy="1574145"/>
+            <a:off x="2360907" y="1098000"/>
+            <a:ext cx="7470185" cy="5760000"/>
           </a:xfrm>
           <a:prstGeom prst="rect">
             <a:avLst/>
@@ -4609,17 +5745,257 @@
     </p:spTree>
     <p:extLst>
       <p:ext uri="{BB962C8B-B14F-4D97-AF65-F5344CB8AC3E}">
-        <p14:creationId xmlns:p14="http://schemas.microsoft.com/office/powerpoint/2010/main" val="1027735409"/>
+        <p14:creationId xmlns:p14="http://schemas.microsoft.com/office/powerpoint/2010/main" val="3194444572"/>
       </p:ext>
     </p:extLst>
   </p:cSld>
   <p:clrMapOvr>
     <a:masterClrMapping/>
   </p:clrMapOvr>
+  <mc:AlternateContent xmlns:mc="http://schemas.openxmlformats.org/markup-compatibility/2006">
+    <mc:Choice xmlns:p159="http://schemas.microsoft.com/office/powerpoint/2015/09/main" Requires="p159">
+      <p:transition xmlns:p14="http://schemas.microsoft.com/office/powerpoint/2010/main" spd="slow" p14:dur="2000">
+        <p159:morph option="byObject"/>
+      </p:transition>
+    </mc:Choice>
+    <mc:Fallback>
+      <p:transition spd="slow">
+        <p:fade/>
+      </p:transition>
+    </mc:Fallback>
+  </mc:AlternateContent>
 </p:sld>
 </file>
 
-<file path=ppt/slides/slide6.xml><?xml version="1.0" encoding="utf-8"?>
+<file path=ppt/slides/slide7.xml><?xml version="1.0" encoding="utf-8"?>
+<p:sld xmlns:a="http://schemas.openxmlformats.org/drawingml/2006/main" xmlns:r="http://schemas.openxmlformats.org/officeDocument/2006/relationships" xmlns:p="http://schemas.openxmlformats.org/presentationml/2006/main">
+  <p:cSld>
+    <p:spTree>
+      <p:nvGrpSpPr>
+        <p:cNvPr id="1" name=""/>
+        <p:cNvGrpSpPr/>
+        <p:nvPr/>
+      </p:nvGrpSpPr>
+      <p:grpSpPr>
+        <a:xfrm>
+          <a:off x="0" y="0"/>
+          <a:ext cx="0" cy="0"/>
+          <a:chOff x="0" y="0"/>
+          <a:chExt cx="0" cy="0"/>
+        </a:xfrm>
+      </p:grpSpPr>
+      <p:sp>
+        <p:nvSpPr>
+          <p:cNvPr id="3" name="CaixaDeTexto 2">
+            <a:extLst>
+              <a:ext uri="{FF2B5EF4-FFF2-40B4-BE49-F238E27FC236}">
+                <a16:creationId xmlns:a16="http://schemas.microsoft.com/office/drawing/2014/main" id="{A0F6C027-F212-7D4C-3B62-4286D96AD489}"/>
+              </a:ext>
+            </a:extLst>
+          </p:cNvPr>
+          <p:cNvSpPr txBox="1"/>
+          <p:nvPr/>
+        </p:nvSpPr>
+        <p:spPr>
+          <a:xfrm>
+            <a:off x="295835" y="295834"/>
+            <a:ext cx="7283725" cy="784830"/>
+          </a:xfrm>
+          <a:prstGeom prst="rect">
+            <a:avLst/>
+          </a:prstGeom>
+          <a:noFill/>
+        </p:spPr>
+        <p:txBody>
+          <a:bodyPr wrap="none" rtlCol="0">
+            <a:spAutoFit/>
+          </a:bodyPr>
+          <a:lstStyle/>
+          <a:p>
+            <a:r>
+              <a:rPr lang="pt-PT" sz="4500" b="1" dirty="0">
+                <a:solidFill>
+                  <a:schemeClr val="tx2">
+                    <a:lumMod val="90000"/>
+                    <a:lumOff val="10000"/>
+                  </a:schemeClr>
+                </a:solidFill>
+                <a:latin typeface="Clash Display" pitchFamily="2" charset="0"/>
+              </a:rPr>
+              <a:t>Análise exploratória de dados</a:t>
+            </a:r>
+          </a:p>
+        </p:txBody>
+      </p:sp>
+      <p:pic>
+        <p:nvPicPr>
+          <p:cNvPr id="4" name="Imagem 3">
+            <a:extLst>
+              <a:ext uri="{FF2B5EF4-FFF2-40B4-BE49-F238E27FC236}">
+                <a16:creationId xmlns:a16="http://schemas.microsoft.com/office/drawing/2014/main" id="{C9CC8B7E-6B0E-2668-BC24-DF24DC39388F}"/>
+              </a:ext>
+            </a:extLst>
+          </p:cNvPr>
+          <p:cNvPicPr>
+            <a:picLocks noChangeAspect="1"/>
+          </p:cNvPicPr>
+          <p:nvPr/>
+        </p:nvPicPr>
+        <p:blipFill>
+          <a:blip r:embed="rId2"/>
+          <a:srcRect/>
+          <a:stretch/>
+        </p:blipFill>
+        <p:spPr>
+          <a:xfrm>
+            <a:off x="1963042" y="1313679"/>
+            <a:ext cx="8265916" cy="5071251"/>
+          </a:xfrm>
+          <a:prstGeom prst="rect">
+            <a:avLst/>
+          </a:prstGeom>
+        </p:spPr>
+      </p:pic>
+    </p:spTree>
+    <p:extLst>
+      <p:ext uri="{BB962C8B-B14F-4D97-AF65-F5344CB8AC3E}">
+        <p14:creationId xmlns:p14="http://schemas.microsoft.com/office/powerpoint/2010/main" val="2866936293"/>
+      </p:ext>
+    </p:extLst>
+  </p:cSld>
+  <p:clrMapOvr>
+    <a:masterClrMapping/>
+  </p:clrMapOvr>
+  <mc:AlternateContent xmlns:mc="http://schemas.openxmlformats.org/markup-compatibility/2006">
+    <mc:Choice xmlns:p159="http://schemas.microsoft.com/office/powerpoint/2015/09/main" Requires="p159">
+      <p:transition xmlns:p14="http://schemas.microsoft.com/office/powerpoint/2010/main" spd="slow" p14:dur="2000">
+        <p159:morph option="byObject"/>
+      </p:transition>
+    </mc:Choice>
+    <mc:Fallback>
+      <p:transition spd="slow">
+        <p:fade/>
+      </p:transition>
+    </mc:Fallback>
+  </mc:AlternateContent>
+</p:sld>
+</file>
+
+<file path=ppt/slides/slide8.xml><?xml version="1.0" encoding="utf-8"?>
+<p:sld xmlns:a="http://schemas.openxmlformats.org/drawingml/2006/main" xmlns:r="http://schemas.openxmlformats.org/officeDocument/2006/relationships" xmlns:p="http://schemas.openxmlformats.org/presentationml/2006/main">
+  <p:cSld>
+    <p:spTree>
+      <p:nvGrpSpPr>
+        <p:cNvPr id="1" name=""/>
+        <p:cNvGrpSpPr/>
+        <p:nvPr/>
+      </p:nvGrpSpPr>
+      <p:grpSpPr>
+        <a:xfrm>
+          <a:off x="0" y="0"/>
+          <a:ext cx="0" cy="0"/>
+          <a:chOff x="0" y="0"/>
+          <a:chExt cx="0" cy="0"/>
+        </a:xfrm>
+      </p:grpSpPr>
+      <p:sp>
+        <p:nvSpPr>
+          <p:cNvPr id="3" name="CaixaDeTexto 2">
+            <a:extLst>
+              <a:ext uri="{FF2B5EF4-FFF2-40B4-BE49-F238E27FC236}">
+                <a16:creationId xmlns:a16="http://schemas.microsoft.com/office/drawing/2014/main" id="{A0F6C027-F212-7D4C-3B62-4286D96AD489}"/>
+              </a:ext>
+            </a:extLst>
+          </p:cNvPr>
+          <p:cNvSpPr txBox="1"/>
+          <p:nvPr/>
+        </p:nvSpPr>
+        <p:spPr>
+          <a:xfrm>
+            <a:off x="295835" y="295834"/>
+            <a:ext cx="7283725" cy="784830"/>
+          </a:xfrm>
+          <a:prstGeom prst="rect">
+            <a:avLst/>
+          </a:prstGeom>
+          <a:noFill/>
+        </p:spPr>
+        <p:txBody>
+          <a:bodyPr wrap="none" rtlCol="0">
+            <a:spAutoFit/>
+          </a:bodyPr>
+          <a:lstStyle/>
+          <a:p>
+            <a:r>
+              <a:rPr lang="pt-PT" sz="4500" b="1" dirty="0">
+                <a:solidFill>
+                  <a:schemeClr val="tx2">
+                    <a:lumMod val="90000"/>
+                    <a:lumOff val="10000"/>
+                  </a:schemeClr>
+                </a:solidFill>
+                <a:latin typeface="Clash Display" pitchFamily="2" charset="0"/>
+              </a:rPr>
+              <a:t>Análise exploratória de dados</a:t>
+            </a:r>
+          </a:p>
+        </p:txBody>
+      </p:sp>
+      <p:pic>
+        <p:nvPicPr>
+          <p:cNvPr id="4" name="Imagem 3">
+            <a:extLst>
+              <a:ext uri="{FF2B5EF4-FFF2-40B4-BE49-F238E27FC236}">
+                <a16:creationId xmlns:a16="http://schemas.microsoft.com/office/drawing/2014/main" id="{C9CC8B7E-6B0E-2668-BC24-DF24DC39388F}"/>
+              </a:ext>
+            </a:extLst>
+          </p:cNvPr>
+          <p:cNvPicPr>
+            <a:picLocks noChangeAspect="1"/>
+          </p:cNvPicPr>
+          <p:nvPr/>
+        </p:nvPicPr>
+        <p:blipFill>
+          <a:blip r:embed="rId2"/>
+          <a:srcRect/>
+          <a:stretch/>
+        </p:blipFill>
+        <p:spPr>
+          <a:xfrm>
+            <a:off x="2266830" y="1080664"/>
+            <a:ext cx="7658339" cy="5619327"/>
+          </a:xfrm>
+          <a:prstGeom prst="rect">
+            <a:avLst/>
+          </a:prstGeom>
+        </p:spPr>
+      </p:pic>
+    </p:spTree>
+    <p:extLst>
+      <p:ext uri="{BB962C8B-B14F-4D97-AF65-F5344CB8AC3E}">
+        <p14:creationId xmlns:p14="http://schemas.microsoft.com/office/powerpoint/2010/main" val="964542521"/>
+      </p:ext>
+    </p:extLst>
+  </p:cSld>
+  <p:clrMapOvr>
+    <a:masterClrMapping/>
+  </p:clrMapOvr>
+  <mc:AlternateContent xmlns:mc="http://schemas.openxmlformats.org/markup-compatibility/2006">
+    <mc:Choice xmlns:p159="http://schemas.microsoft.com/office/powerpoint/2015/09/main" Requires="p159">
+      <p:transition xmlns:p14="http://schemas.microsoft.com/office/powerpoint/2010/main" spd="slow" p14:dur="2000">
+        <p159:morph option="byObject"/>
+      </p:transition>
+    </mc:Choice>
+    <mc:Fallback>
+      <p:transition spd="slow">
+        <p:fade/>
+      </p:transition>
+    </mc:Fallback>
+  </mc:AlternateContent>
+</p:sld>
+</file>
+
+<file path=ppt/slides/slide9.xml><?xml version="1.0" encoding="utf-8"?>
 <p:sld xmlns:a="http://schemas.openxmlformats.org/drawingml/2006/main" xmlns:r="http://schemas.openxmlformats.org/officeDocument/2006/relationships" xmlns:p="http://schemas.openxmlformats.org/presentationml/2006/main">
   <p:cSld>
     <p:bg>
@@ -4659,7 +6035,7 @@
         <p:spPr>
           <a:xfrm>
             <a:off x="295835" y="295834"/>
-            <a:ext cx="4051109" cy="784830"/>
+            <a:ext cx="8804013" cy="784830"/>
           </a:xfrm>
           <a:prstGeom prst="rect">
             <a:avLst/>
@@ -4673,7 +6049,7 @@
           <a:lstStyle/>
           <a:p>
             <a:r>
-              <a:rPr lang="pt-PT" sz="4500" b="1">
+              <a:rPr lang="pt-PT" sz="4500" b="1" dirty="0">
                 <a:solidFill>
                   <a:schemeClr val="tx2">
                     <a:lumMod val="90000"/>
@@ -4682,26 +6058,17 @@
                 </a:solidFill>
                 <a:latin typeface="Clash Display" pitchFamily="2" charset="0"/>
               </a:rPr>
-              <a:t>Classificação</a:t>
-            </a:r>
-            <a:endParaRPr lang="pt-PT" sz="4500" b="1" dirty="0">
-              <a:solidFill>
-                <a:schemeClr val="tx2">
-                  <a:lumMod val="90000"/>
-                  <a:lumOff val="10000"/>
-                </a:schemeClr>
-              </a:solidFill>
-              <a:latin typeface="Clash Display" pitchFamily="2" charset="0"/>
-            </a:endParaRPr>
+              <a:t>Análise exploratória de dados</a:t>
+            </a:r>
           </a:p>
         </p:txBody>
       </p:sp>
       <p:pic>
         <p:nvPicPr>
-          <p:cNvPr id="4" name="Imagem 3" descr="Uma imagem com texto, captura de ecrã, Tipo de letra, branco&#10;&#10;Descrição gerada automaticamente">
-            <a:extLst>
-              <a:ext uri="{FF2B5EF4-FFF2-40B4-BE49-F238E27FC236}">
-                <a16:creationId xmlns:a16="http://schemas.microsoft.com/office/drawing/2014/main" id="{DA342D5D-C9F8-6EA8-70A2-601E40E05C42}"/>
+          <p:cNvPr id="7" name="Imagem 6" descr="Uma imagem com texto, recibo, captura de ecrã, branco&#10;&#10;Descrição gerada automaticamente">
+            <a:extLst>
+              <a:ext uri="{FF2B5EF4-FFF2-40B4-BE49-F238E27FC236}">
+                <a16:creationId xmlns:a16="http://schemas.microsoft.com/office/drawing/2014/main" id="{28D5B1D0-3212-7DD9-13A4-3834170459FE}"/>
               </a:ext>
             </a:extLst>
           </p:cNvPr>
@@ -4718,8 +6085,8 @@
         </p:blipFill>
         <p:spPr>
           <a:xfrm>
-            <a:off x="2586000" y="2171897"/>
-            <a:ext cx="7020000" cy="2514205"/>
+            <a:off x="870102" y="1727426"/>
+            <a:ext cx="10451796" cy="1710120"/>
           </a:xfrm>
           <a:prstGeom prst="rect">
             <a:avLst/>
@@ -4729,323 +6096,7 @@
     </p:spTree>
     <p:extLst>
       <p:ext uri="{BB962C8B-B14F-4D97-AF65-F5344CB8AC3E}">
-        <p14:creationId xmlns:p14="http://schemas.microsoft.com/office/powerpoint/2010/main" val="2367880628"/>
-      </p:ext>
-    </p:extLst>
-  </p:cSld>
-  <p:clrMapOvr>
-    <a:masterClrMapping/>
-  </p:clrMapOvr>
-</p:sld>
-</file>
-
-<file path=ppt/slides/slide7.xml><?xml version="1.0" encoding="utf-8"?>
-<p:sld xmlns:a="http://schemas.openxmlformats.org/drawingml/2006/main" xmlns:r="http://schemas.openxmlformats.org/officeDocument/2006/relationships" xmlns:p="http://schemas.openxmlformats.org/presentationml/2006/main">
-  <p:cSld>
-    <p:spTree>
-      <p:nvGrpSpPr>
-        <p:cNvPr id="1" name=""/>
-        <p:cNvGrpSpPr/>
-        <p:nvPr/>
-      </p:nvGrpSpPr>
-      <p:grpSpPr>
-        <a:xfrm>
-          <a:off x="0" y="0"/>
-          <a:ext cx="0" cy="0"/>
-          <a:chOff x="0" y="0"/>
-          <a:chExt cx="0" cy="0"/>
-        </a:xfrm>
-      </p:grpSpPr>
-      <p:sp>
-        <p:nvSpPr>
-          <p:cNvPr id="3" name="CaixaDeTexto 2">
-            <a:extLst>
-              <a:ext uri="{FF2B5EF4-FFF2-40B4-BE49-F238E27FC236}">
-                <a16:creationId xmlns:a16="http://schemas.microsoft.com/office/drawing/2014/main" id="{A0F6C027-F212-7D4C-3B62-4286D96AD489}"/>
-              </a:ext>
-            </a:extLst>
-          </p:cNvPr>
-          <p:cNvSpPr txBox="1"/>
-          <p:nvPr/>
-        </p:nvSpPr>
-        <p:spPr>
-          <a:xfrm>
-            <a:off x="295835" y="295834"/>
-            <a:ext cx="3360215" cy="784830"/>
-          </a:xfrm>
-          <a:prstGeom prst="rect">
-            <a:avLst/>
-          </a:prstGeom>
-          <a:noFill/>
-        </p:spPr>
-        <p:txBody>
-          <a:bodyPr wrap="none" rtlCol="0">
-            <a:spAutoFit/>
-          </a:bodyPr>
-          <a:lstStyle/>
-          <a:p>
-            <a:r>
-              <a:rPr lang="pt-PT" sz="4500" b="1" dirty="0">
-                <a:solidFill>
-                  <a:schemeClr val="tx2">
-                    <a:lumMod val="90000"/>
-                    <a:lumOff val="10000"/>
-                  </a:schemeClr>
-                </a:solidFill>
-                <a:latin typeface="Clash Display" pitchFamily="2" charset="0"/>
-              </a:rPr>
-              <a:t>Regressão</a:t>
-            </a:r>
-          </a:p>
-        </p:txBody>
-      </p:sp>
-      <p:sp>
-        <p:nvSpPr>
-          <p:cNvPr id="5" name="CaixaDeTexto 4">
-            <a:extLst>
-              <a:ext uri="{FF2B5EF4-FFF2-40B4-BE49-F238E27FC236}">
-                <a16:creationId xmlns:a16="http://schemas.microsoft.com/office/drawing/2014/main" id="{60E1267D-2D33-CDDE-B908-FF68EFE2FF68}"/>
-              </a:ext>
-            </a:extLst>
-          </p:cNvPr>
-          <p:cNvSpPr txBox="1"/>
-          <p:nvPr/>
-        </p:nvSpPr>
-        <p:spPr>
-          <a:xfrm>
-            <a:off x="564776" y="1546412"/>
-            <a:ext cx="11062448" cy="400110"/>
-          </a:xfrm>
-          <a:prstGeom prst="rect">
-            <a:avLst/>
-          </a:prstGeom>
-          <a:noFill/>
-        </p:spPr>
-        <p:txBody>
-          <a:bodyPr wrap="square" rtlCol="0">
-            <a:spAutoFit/>
-          </a:bodyPr>
-          <a:lstStyle/>
-          <a:p>
-            <a:r>
-              <a:rPr lang="pt-PT" sz="2000" b="1" dirty="0">
-                <a:latin typeface="Inter Tight" pitchFamily="2" charset="0"/>
-                <a:ea typeface="Inter Tight" pitchFamily="2" charset="0"/>
-                <a:cs typeface="Inter Tight" pitchFamily="2" charset="0"/>
-              </a:rPr>
-              <a:t>Objetivo:</a:t>
-            </a:r>
-            <a:r>
-              <a:rPr lang="pt-PT" sz="2000" dirty="0">
-                <a:latin typeface="Inter Tight" pitchFamily="2" charset="0"/>
-                <a:ea typeface="Inter Tight" pitchFamily="2" charset="0"/>
-                <a:cs typeface="Inter Tight" pitchFamily="2" charset="0"/>
-              </a:rPr>
-              <a:t> </a:t>
-            </a:r>
-            <a:r>
-              <a:rPr lang="pt-PT" sz="2000" i="0" dirty="0">
-                <a:effectLst/>
-                <a:latin typeface="Inter Tight" pitchFamily="2" charset="0"/>
-                <a:ea typeface="Inter Tight" pitchFamily="2" charset="0"/>
-                <a:cs typeface="Inter Tight" pitchFamily="2" charset="0"/>
-              </a:rPr>
-              <a:t>Desenvolver modelos de regressão que permitam prever corretamente o tipo de vinho.</a:t>
-            </a:r>
-            <a:r>
-              <a:rPr lang="pt-PT" sz="2000" dirty="0">
-                <a:latin typeface="Inter Tight" pitchFamily="2" charset="0"/>
-                <a:ea typeface="Inter Tight" pitchFamily="2" charset="0"/>
-                <a:cs typeface="Inter Tight" pitchFamily="2" charset="0"/>
-              </a:rPr>
-              <a:t> </a:t>
-            </a:r>
-          </a:p>
-        </p:txBody>
-      </p:sp>
-      <p:sp>
-        <p:nvSpPr>
-          <p:cNvPr id="20" name="CaixaDeTexto 19">
-            <a:extLst>
-              <a:ext uri="{FF2B5EF4-FFF2-40B4-BE49-F238E27FC236}">
-                <a16:creationId xmlns:a16="http://schemas.microsoft.com/office/drawing/2014/main" id="{8CB127C8-A5E4-420B-37A5-F5206102888A}"/>
-              </a:ext>
-            </a:extLst>
-          </p:cNvPr>
-          <p:cNvSpPr txBox="1"/>
-          <p:nvPr/>
-        </p:nvSpPr>
-        <p:spPr>
-          <a:xfrm>
-            <a:off x="564776" y="2412270"/>
-            <a:ext cx="2443298" cy="400110"/>
-          </a:xfrm>
-          <a:prstGeom prst="rect">
-            <a:avLst/>
-          </a:prstGeom>
-          <a:noFill/>
-        </p:spPr>
-        <p:txBody>
-          <a:bodyPr wrap="none" rtlCol="0">
-            <a:spAutoFit/>
-          </a:bodyPr>
-          <a:lstStyle/>
-          <a:p>
-            <a:r>
-              <a:rPr lang="pt-PT" sz="2000" dirty="0">
-                <a:latin typeface="Inter Tight" pitchFamily="2" charset="0"/>
-                <a:ea typeface="Inter Tight" pitchFamily="2" charset="0"/>
-                <a:cs typeface="Inter Tight" pitchFamily="2" charset="0"/>
-              </a:rPr>
-              <a:t>Pré-processamento:</a:t>
-            </a:r>
-          </a:p>
-        </p:txBody>
-      </p:sp>
-      <p:pic>
-        <p:nvPicPr>
-          <p:cNvPr id="22" name="Imagem 21">
-            <a:extLst>
-              <a:ext uri="{FF2B5EF4-FFF2-40B4-BE49-F238E27FC236}">
-                <a16:creationId xmlns:a16="http://schemas.microsoft.com/office/drawing/2014/main" id="{0CFFCAEC-4D61-504F-2970-5DF278650BCB}"/>
-              </a:ext>
-            </a:extLst>
-          </p:cNvPr>
-          <p:cNvPicPr>
-            <a:picLocks noChangeAspect="1"/>
-          </p:cNvPicPr>
-          <p:nvPr/>
-        </p:nvPicPr>
-        <p:blipFill>
-          <a:blip r:embed="rId2"/>
-          <a:srcRect/>
-          <a:stretch/>
-        </p:blipFill>
-        <p:spPr>
-          <a:xfrm>
-            <a:off x="1856540" y="3443100"/>
-            <a:ext cx="8478919" cy="1545945"/>
-          </a:xfrm>
-          <a:prstGeom prst="rect">
-            <a:avLst/>
-          </a:prstGeom>
-        </p:spPr>
-      </p:pic>
-    </p:spTree>
-    <p:extLst>
-      <p:ext uri="{BB962C8B-B14F-4D97-AF65-F5344CB8AC3E}">
-        <p14:creationId xmlns:p14="http://schemas.microsoft.com/office/powerpoint/2010/main" val="1104997793"/>
-      </p:ext>
-    </p:extLst>
-  </p:cSld>
-  <p:clrMapOvr>
-    <a:masterClrMapping/>
-  </p:clrMapOvr>
-</p:sld>
-</file>
-
-<file path=ppt/slides/slide8.xml><?xml version="1.0" encoding="utf-8"?>
-<p:sld xmlns:a="http://schemas.openxmlformats.org/drawingml/2006/main" xmlns:r="http://schemas.openxmlformats.org/officeDocument/2006/relationships" xmlns:p="http://schemas.openxmlformats.org/presentationml/2006/main">
-  <p:cSld>
-    <p:bg>
-      <p:bgPr>
-        <a:solidFill>
-          <a:srgbClr val="D5E8F2"/>
-        </a:solidFill>
-        <a:effectLst/>
-      </p:bgPr>
-    </p:bg>
-    <p:spTree>
-      <p:nvGrpSpPr>
-        <p:cNvPr id="1" name=""/>
-        <p:cNvGrpSpPr/>
-        <p:nvPr/>
-      </p:nvGrpSpPr>
-      <p:grpSpPr>
-        <a:xfrm>
-          <a:off x="0" y="0"/>
-          <a:ext cx="0" cy="0"/>
-          <a:chOff x="0" y="0"/>
-          <a:chExt cx="0" cy="0"/>
-        </a:xfrm>
-      </p:grpSpPr>
-      <p:sp>
-        <p:nvSpPr>
-          <p:cNvPr id="3" name="CaixaDeTexto 2">
-            <a:extLst>
-              <a:ext uri="{FF2B5EF4-FFF2-40B4-BE49-F238E27FC236}">
-                <a16:creationId xmlns:a16="http://schemas.microsoft.com/office/drawing/2014/main" id="{A0F6C027-F212-7D4C-3B62-4286D96AD489}"/>
-              </a:ext>
-            </a:extLst>
-          </p:cNvPr>
-          <p:cNvSpPr txBox="1"/>
-          <p:nvPr/>
-        </p:nvSpPr>
-        <p:spPr>
-          <a:xfrm>
-            <a:off x="295835" y="295834"/>
-            <a:ext cx="3360215" cy="784830"/>
-          </a:xfrm>
-          <a:prstGeom prst="rect">
-            <a:avLst/>
-          </a:prstGeom>
-          <a:noFill/>
-        </p:spPr>
-        <p:txBody>
-          <a:bodyPr wrap="none" rtlCol="0">
-            <a:spAutoFit/>
-          </a:bodyPr>
-          <a:lstStyle/>
-          <a:p>
-            <a:r>
-              <a:rPr lang="pt-PT" sz="4500" b="1" dirty="0">
-                <a:solidFill>
-                  <a:schemeClr val="tx2">
-                    <a:lumMod val="90000"/>
-                    <a:lumOff val="10000"/>
-                  </a:schemeClr>
-                </a:solidFill>
-                <a:latin typeface="Clash Display" pitchFamily="2" charset="0"/>
-              </a:rPr>
-              <a:t>Regressão</a:t>
-            </a:r>
-          </a:p>
-        </p:txBody>
-      </p:sp>
-      <p:pic>
-        <p:nvPicPr>
-          <p:cNvPr id="4" name="Imagem 3" descr="Uma imagem com texto, captura de ecrã, Tipo de letra, branco&#10;&#10;Descrição gerada automaticamente">
-            <a:extLst>
-              <a:ext uri="{FF2B5EF4-FFF2-40B4-BE49-F238E27FC236}">
-                <a16:creationId xmlns:a16="http://schemas.microsoft.com/office/drawing/2014/main" id="{8A80AB9D-1D00-A790-970B-6E57C218BD54}"/>
-              </a:ext>
-            </a:extLst>
-          </p:cNvPr>
-          <p:cNvPicPr>
-            <a:picLocks noChangeAspect="1"/>
-          </p:cNvPicPr>
-          <p:nvPr/>
-        </p:nvPicPr>
-        <p:blipFill>
-          <a:blip r:embed="rId2"/>
-          <a:stretch>
-            <a:fillRect/>
-          </a:stretch>
-        </p:blipFill>
-        <p:spPr>
-          <a:xfrm>
-            <a:off x="2586000" y="2066201"/>
-            <a:ext cx="7020000" cy="2725598"/>
-          </a:xfrm>
-          <a:prstGeom prst="rect">
-            <a:avLst/>
-          </a:prstGeom>
-        </p:spPr>
-      </p:pic>
-    </p:spTree>
-    <p:extLst>
-      <p:ext uri="{BB962C8B-B14F-4D97-AF65-F5344CB8AC3E}">
-        <p14:creationId xmlns:p14="http://schemas.microsoft.com/office/powerpoint/2010/main" val="1881553732"/>
+        <p14:creationId xmlns:p14="http://schemas.microsoft.com/office/powerpoint/2010/main" val="2362906552"/>
       </p:ext>
     </p:extLst>
   </p:cSld>

--- a/apresentacao.pptx
+++ b/apresentacao.pptx
@@ -7,17 +7,18 @@
   <p:sldIdLst>
     <p:sldId id="256" r:id="rId2"/>
     <p:sldId id="257" r:id="rId3"/>
-    <p:sldId id="263" r:id="rId4"/>
-    <p:sldId id="270" r:id="rId5"/>
-    <p:sldId id="272" r:id="rId6"/>
-    <p:sldId id="273" r:id="rId7"/>
-    <p:sldId id="274" r:id="rId8"/>
-    <p:sldId id="275" r:id="rId9"/>
-    <p:sldId id="258" r:id="rId10"/>
-    <p:sldId id="265" r:id="rId11"/>
-    <p:sldId id="259" r:id="rId12"/>
-    <p:sldId id="264" r:id="rId13"/>
-    <p:sldId id="260" r:id="rId14"/>
+    <p:sldId id="258" r:id="rId4"/>
+    <p:sldId id="263" r:id="rId5"/>
+    <p:sldId id="270" r:id="rId6"/>
+    <p:sldId id="272" r:id="rId7"/>
+    <p:sldId id="273" r:id="rId8"/>
+    <p:sldId id="274" r:id="rId9"/>
+    <p:sldId id="275" r:id="rId10"/>
+    <p:sldId id="276" r:id="rId11"/>
+    <p:sldId id="265" r:id="rId12"/>
+    <p:sldId id="259" r:id="rId13"/>
+    <p:sldId id="264" r:id="rId14"/>
+    <p:sldId id="260" r:id="rId15"/>
   </p:sldIdLst>
   <p:sldSz cx="12192000" cy="6858000"/>
   <p:notesSz cx="6858000" cy="9144000"/>
@@ -621,7 +622,7 @@
           <a:p>
             <a:fld id="{D5183E39-E9F0-374E-B3E9-F2BF945C19D9}" type="datetimeFigureOut">
               <a:rPr lang="pt-PT" smtClean="0"/>
-              <a:t>21/06/2024</a:t>
+              <a:t>21/06/24</a:t>
             </a:fld>
             <a:endParaRPr lang="pt-PT"/>
           </a:p>
@@ -819,7 +820,7 @@
           <a:p>
             <a:fld id="{D5183E39-E9F0-374E-B3E9-F2BF945C19D9}" type="datetimeFigureOut">
               <a:rPr lang="pt-PT" smtClean="0"/>
-              <a:t>21/06/2024</a:t>
+              <a:t>21/06/24</a:t>
             </a:fld>
             <a:endParaRPr lang="pt-PT"/>
           </a:p>
@@ -1027,7 +1028,7 @@
           <a:p>
             <a:fld id="{D5183E39-E9F0-374E-B3E9-F2BF945C19D9}" type="datetimeFigureOut">
               <a:rPr lang="pt-PT" smtClean="0"/>
-              <a:t>21/06/2024</a:t>
+              <a:t>21/06/24</a:t>
             </a:fld>
             <a:endParaRPr lang="pt-PT"/>
           </a:p>
@@ -1225,7 +1226,7 @@
           <a:p>
             <a:fld id="{D5183E39-E9F0-374E-B3E9-F2BF945C19D9}" type="datetimeFigureOut">
               <a:rPr lang="pt-PT" smtClean="0"/>
-              <a:t>21/06/2024</a:t>
+              <a:t>21/06/24</a:t>
             </a:fld>
             <a:endParaRPr lang="pt-PT"/>
           </a:p>
@@ -1500,7 +1501,7 @@
           <a:p>
             <a:fld id="{D5183E39-E9F0-374E-B3E9-F2BF945C19D9}" type="datetimeFigureOut">
               <a:rPr lang="pt-PT" smtClean="0"/>
-              <a:t>21/06/2024</a:t>
+              <a:t>21/06/24</a:t>
             </a:fld>
             <a:endParaRPr lang="pt-PT"/>
           </a:p>
@@ -1765,7 +1766,7 @@
           <a:p>
             <a:fld id="{D5183E39-E9F0-374E-B3E9-F2BF945C19D9}" type="datetimeFigureOut">
               <a:rPr lang="pt-PT" smtClean="0"/>
-              <a:t>21/06/2024</a:t>
+              <a:t>21/06/24</a:t>
             </a:fld>
             <a:endParaRPr lang="pt-PT"/>
           </a:p>
@@ -2177,7 +2178,7 @@
           <a:p>
             <a:fld id="{D5183E39-E9F0-374E-B3E9-F2BF945C19D9}" type="datetimeFigureOut">
               <a:rPr lang="pt-PT" smtClean="0"/>
-              <a:t>21/06/2024</a:t>
+              <a:t>21/06/24</a:t>
             </a:fld>
             <a:endParaRPr lang="pt-PT"/>
           </a:p>
@@ -2318,7 +2319,7 @@
           <a:p>
             <a:fld id="{D5183E39-E9F0-374E-B3E9-F2BF945C19D9}" type="datetimeFigureOut">
               <a:rPr lang="pt-PT" smtClean="0"/>
-              <a:t>21/06/2024</a:t>
+              <a:t>21/06/24</a:t>
             </a:fld>
             <a:endParaRPr lang="pt-PT"/>
           </a:p>
@@ -2431,7 +2432,7 @@
           <a:p>
             <a:fld id="{D5183E39-E9F0-374E-B3E9-F2BF945C19D9}" type="datetimeFigureOut">
               <a:rPr lang="pt-PT" smtClean="0"/>
-              <a:t>21/06/2024</a:t>
+              <a:t>21/06/24</a:t>
             </a:fld>
             <a:endParaRPr lang="pt-PT"/>
           </a:p>
@@ -2742,7 +2743,7 @@
           <a:p>
             <a:fld id="{D5183E39-E9F0-374E-B3E9-F2BF945C19D9}" type="datetimeFigureOut">
               <a:rPr lang="pt-PT" smtClean="0"/>
-              <a:t>21/06/2024</a:t>
+              <a:t>21/06/24</a:t>
             </a:fld>
             <a:endParaRPr lang="pt-PT"/>
           </a:p>
@@ -3030,7 +3031,7 @@
           <a:p>
             <a:fld id="{D5183E39-E9F0-374E-B3E9-F2BF945C19D9}" type="datetimeFigureOut">
               <a:rPr lang="pt-PT" smtClean="0"/>
-              <a:t>21/06/2024</a:t>
+              <a:t>21/06/24</a:t>
             </a:fld>
             <a:endParaRPr lang="pt-PT"/>
           </a:p>
@@ -3271,7 +3272,7 @@
           <a:p>
             <a:fld id="{D5183E39-E9F0-374E-B3E9-F2BF945C19D9}" type="datetimeFigureOut">
               <a:rPr lang="pt-PT" smtClean="0"/>
-              <a:t>21/06/2024</a:t>
+              <a:t>21/06/24</a:t>
             </a:fld>
             <a:endParaRPr lang="pt-PT"/>
           </a:p>
@@ -4124,6 +4125,14 @@
 <file path=ppt/slides/slide10.xml><?xml version="1.0" encoding="utf-8"?>
 <p:sld xmlns:a="http://schemas.openxmlformats.org/drawingml/2006/main" xmlns:r="http://schemas.openxmlformats.org/officeDocument/2006/relationships" xmlns:p="http://schemas.openxmlformats.org/presentationml/2006/main">
   <p:cSld>
+    <p:bg>
+      <p:bgPr>
+        <a:solidFill>
+          <a:srgbClr val="D5E8F2"/>
+        </a:solidFill>
+        <a:effectLst/>
+      </p:bgPr>
+    </p:bg>
     <p:spTree>
       <p:nvGrpSpPr>
         <p:cNvPr id="1" name=""/>
@@ -4140,6 +4149,397 @@
       </p:grpSpPr>
       <p:sp>
         <p:nvSpPr>
+          <p:cNvPr id="2" name="CaixaDeTexto 1">
+            <a:extLst>
+              <a:ext uri="{FF2B5EF4-FFF2-40B4-BE49-F238E27FC236}">
+                <a16:creationId xmlns:a16="http://schemas.microsoft.com/office/drawing/2014/main" id="{00C91818-4F26-B6A1-37EC-AC774C9012C9}"/>
+              </a:ext>
+            </a:extLst>
+          </p:cNvPr>
+          <p:cNvSpPr txBox="1"/>
+          <p:nvPr/>
+        </p:nvSpPr>
+        <p:spPr>
+          <a:xfrm>
+            <a:off x="295835" y="295834"/>
+            <a:ext cx="7283725" cy="784830"/>
+          </a:xfrm>
+          <a:prstGeom prst="rect">
+            <a:avLst/>
+          </a:prstGeom>
+          <a:noFill/>
+        </p:spPr>
+        <p:txBody>
+          <a:bodyPr wrap="none" rtlCol="0">
+            <a:spAutoFit/>
+          </a:bodyPr>
+          <a:lstStyle/>
+          <a:p>
+            <a:r>
+              <a:rPr lang="pt-PT" sz="4500" b="1" dirty="0">
+                <a:solidFill>
+                  <a:schemeClr val="tx2">
+                    <a:lumMod val="90000"/>
+                    <a:lumOff val="10000"/>
+                  </a:schemeClr>
+                </a:solidFill>
+                <a:latin typeface="Clash Display" pitchFamily="2" charset="0"/>
+              </a:rPr>
+              <a:t>Análise exploratória de dados</a:t>
+            </a:r>
+          </a:p>
+        </p:txBody>
+      </p:sp>
+      <p:sp>
+        <p:nvSpPr>
+          <p:cNvPr id="3" name="CaixaDeTexto 2">
+            <a:extLst>
+              <a:ext uri="{FF2B5EF4-FFF2-40B4-BE49-F238E27FC236}">
+                <a16:creationId xmlns:a16="http://schemas.microsoft.com/office/drawing/2014/main" id="{A69FF01A-B89D-86EC-DF69-3ED2B1429F5E}"/>
+              </a:ext>
+            </a:extLst>
+          </p:cNvPr>
+          <p:cNvSpPr txBox="1"/>
+          <p:nvPr/>
+        </p:nvSpPr>
+        <p:spPr>
+          <a:xfrm>
+            <a:off x="746409" y="1497497"/>
+            <a:ext cx="1851789" cy="400110"/>
+          </a:xfrm>
+          <a:prstGeom prst="rect">
+            <a:avLst/>
+          </a:prstGeom>
+          <a:noFill/>
+        </p:spPr>
+        <p:txBody>
+          <a:bodyPr wrap="none" rtlCol="0">
+            <a:spAutoFit/>
+          </a:bodyPr>
+          <a:lstStyle/>
+          <a:p>
+            <a:r>
+              <a:rPr lang="pt-PT" sz="2000" b="1" dirty="0">
+                <a:latin typeface="Inter Tight" pitchFamily="2" charset="0"/>
+                <a:ea typeface="Inter Tight" pitchFamily="2" charset="0"/>
+                <a:cs typeface="Inter Tight" pitchFamily="2" charset="0"/>
+              </a:rPr>
+              <a:t>Classificação:</a:t>
+            </a:r>
+          </a:p>
+        </p:txBody>
+      </p:sp>
+      <p:sp>
+        <p:nvSpPr>
+          <p:cNvPr id="4" name="CaixaDeTexto 3">
+            <a:extLst>
+              <a:ext uri="{FF2B5EF4-FFF2-40B4-BE49-F238E27FC236}">
+                <a16:creationId xmlns:a16="http://schemas.microsoft.com/office/drawing/2014/main" id="{F65C6467-70C2-07B2-119E-06B8F0B65723}"/>
+              </a:ext>
+            </a:extLst>
+          </p:cNvPr>
+          <p:cNvSpPr txBox="1"/>
+          <p:nvPr/>
+        </p:nvSpPr>
+        <p:spPr>
+          <a:xfrm>
+            <a:off x="6559826" y="1497497"/>
+            <a:ext cx="1524776" cy="400110"/>
+          </a:xfrm>
+          <a:prstGeom prst="rect">
+            <a:avLst/>
+          </a:prstGeom>
+          <a:noFill/>
+        </p:spPr>
+        <p:txBody>
+          <a:bodyPr wrap="none" rtlCol="0">
+            <a:spAutoFit/>
+          </a:bodyPr>
+          <a:lstStyle/>
+          <a:p>
+            <a:r>
+              <a:rPr lang="pt-PT" sz="2000" b="1" dirty="0">
+                <a:latin typeface="Inter Tight" pitchFamily="2" charset="0"/>
+                <a:ea typeface="Inter Tight" pitchFamily="2" charset="0"/>
+                <a:cs typeface="Inter Tight" pitchFamily="2" charset="0"/>
+              </a:rPr>
+              <a:t>Regressão:</a:t>
+            </a:r>
+          </a:p>
+        </p:txBody>
+      </p:sp>
+      <p:sp>
+        <p:nvSpPr>
+          <p:cNvPr id="5" name="CaixaDeTexto 4">
+            <a:extLst>
+              <a:ext uri="{FF2B5EF4-FFF2-40B4-BE49-F238E27FC236}">
+                <a16:creationId xmlns:a16="http://schemas.microsoft.com/office/drawing/2014/main" id="{590E3D5F-4F47-C5DF-013E-61EBF1732D63}"/>
+              </a:ext>
+            </a:extLst>
+          </p:cNvPr>
+          <p:cNvSpPr txBox="1"/>
+          <p:nvPr/>
+        </p:nvSpPr>
+        <p:spPr>
+          <a:xfrm>
+            <a:off x="6559826" y="2054088"/>
+            <a:ext cx="4982817" cy="1477328"/>
+          </a:xfrm>
+          <a:prstGeom prst="rect">
+            <a:avLst/>
+          </a:prstGeom>
+          <a:noFill/>
+        </p:spPr>
+        <p:txBody>
+          <a:bodyPr wrap="square" rtlCol="0">
+            <a:spAutoFit/>
+          </a:bodyPr>
+          <a:lstStyle/>
+          <a:p>
+            <a:pPr marL="285750" indent="-285750">
+              <a:buFontTx/>
+              <a:buChar char="-"/>
+            </a:pPr>
+            <a:r>
+              <a:rPr lang="pt-PT" dirty="0"/>
+              <a:t>Atributos com maior correlação com a qualidade:</a:t>
+            </a:r>
+          </a:p>
+          <a:p>
+            <a:pPr marL="742950" lvl="1" indent="-285750">
+              <a:buFontTx/>
+              <a:buChar char="-"/>
+            </a:pPr>
+            <a:r>
+              <a:rPr lang="pt-PT" dirty="0"/>
+              <a:t>Álcool;</a:t>
+            </a:r>
+          </a:p>
+          <a:p>
+            <a:pPr marL="742950" lvl="1" indent="-285750">
+              <a:buFontTx/>
+              <a:buChar char="-"/>
+            </a:pPr>
+            <a:r>
+              <a:rPr lang="pt-PT" dirty="0"/>
+              <a:t>Tipo de vinho.</a:t>
+            </a:r>
+          </a:p>
+          <a:p>
+            <a:pPr marL="742950" lvl="1" indent="-285750">
+              <a:buFontTx/>
+              <a:buChar char="-"/>
+            </a:pPr>
+            <a:endParaRPr lang="pt-PT" dirty="0"/>
+          </a:p>
+        </p:txBody>
+      </p:sp>
+      <p:sp>
+        <p:nvSpPr>
+          <p:cNvPr id="6" name="CaixaDeTexto 5">
+            <a:extLst>
+              <a:ext uri="{FF2B5EF4-FFF2-40B4-BE49-F238E27FC236}">
+                <a16:creationId xmlns:a16="http://schemas.microsoft.com/office/drawing/2014/main" id="{AEB09BD7-FE61-D3A2-12F1-958AAA2983E8}"/>
+              </a:ext>
+            </a:extLst>
+          </p:cNvPr>
+          <p:cNvSpPr txBox="1"/>
+          <p:nvPr/>
+        </p:nvSpPr>
+        <p:spPr>
+          <a:xfrm>
+            <a:off x="6559825" y="3654768"/>
+            <a:ext cx="4982817" cy="1754326"/>
+          </a:xfrm>
+          <a:prstGeom prst="rect">
+            <a:avLst/>
+          </a:prstGeom>
+          <a:noFill/>
+        </p:spPr>
+        <p:txBody>
+          <a:bodyPr wrap="square" rtlCol="0">
+            <a:spAutoFit/>
+          </a:bodyPr>
+          <a:lstStyle/>
+          <a:p>
+            <a:pPr marL="285750" indent="-285750">
+              <a:buFontTx/>
+              <a:buChar char="-"/>
+            </a:pPr>
+            <a:r>
+              <a:rPr lang="pt-PT" dirty="0"/>
+              <a:t>Atributos com menor correlação com a qualidade:</a:t>
+            </a:r>
+          </a:p>
+          <a:p>
+            <a:pPr marL="742950" lvl="1" indent="-285750">
+              <a:buFontTx/>
+              <a:buChar char="-"/>
+            </a:pPr>
+            <a:r>
+              <a:rPr lang="pt-PT" dirty="0"/>
+              <a:t>Densidade;</a:t>
+            </a:r>
+          </a:p>
+          <a:p>
+            <a:pPr marL="742950" lvl="1" indent="-285750">
+              <a:buFontTx/>
+              <a:buChar char="-"/>
+            </a:pPr>
+            <a:r>
+              <a:rPr lang="pt-PT" dirty="0"/>
+              <a:t>Cloretos;</a:t>
+            </a:r>
+          </a:p>
+          <a:p>
+            <a:pPr marL="742950" lvl="1" indent="-285750">
+              <a:buFontTx/>
+              <a:buChar char="-"/>
+            </a:pPr>
+            <a:r>
+              <a:rPr lang="pt-PT" dirty="0"/>
+              <a:t>Acidez volátil.</a:t>
+            </a:r>
+          </a:p>
+          <a:p>
+            <a:pPr marL="742950" lvl="1" indent="-285750">
+              <a:buFontTx/>
+              <a:buChar char="-"/>
+            </a:pPr>
+            <a:endParaRPr lang="pt-PT" dirty="0"/>
+          </a:p>
+        </p:txBody>
+      </p:sp>
+      <p:sp>
+        <p:nvSpPr>
+          <p:cNvPr id="7" name="CaixaDeTexto 6">
+            <a:extLst>
+              <a:ext uri="{FF2B5EF4-FFF2-40B4-BE49-F238E27FC236}">
+                <a16:creationId xmlns:a16="http://schemas.microsoft.com/office/drawing/2014/main" id="{852E0FD7-D57A-63F9-FE61-ABD34B200E23}"/>
+              </a:ext>
+            </a:extLst>
+          </p:cNvPr>
+          <p:cNvSpPr txBox="1"/>
+          <p:nvPr/>
+        </p:nvSpPr>
+        <p:spPr>
+          <a:xfrm>
+            <a:off x="295835" y="2054088"/>
+            <a:ext cx="4982817" cy="1200329"/>
+          </a:xfrm>
+          <a:prstGeom prst="rect">
+            <a:avLst/>
+          </a:prstGeom>
+          <a:noFill/>
+        </p:spPr>
+        <p:txBody>
+          <a:bodyPr wrap="square" rtlCol="0">
+            <a:spAutoFit/>
+          </a:bodyPr>
+          <a:lstStyle/>
+          <a:p>
+            <a:pPr marL="742950" lvl="1" indent="-285750">
+              <a:buFontTx/>
+              <a:buChar char="-"/>
+            </a:pPr>
+            <a:r>
+              <a:rPr lang="pt-PT" dirty="0"/>
+              <a:t>Atributos que se destacam nos vinhos brancos:</a:t>
+            </a:r>
+          </a:p>
+          <a:p>
+            <a:pPr marL="1200150" lvl="2" indent="-285750">
+              <a:buFontTx/>
+              <a:buChar char="-"/>
+            </a:pPr>
+            <a:r>
+              <a:rPr lang="pt-PT" dirty="0"/>
+              <a:t>Acidez fixa, acidez volátil, cloretos, densidade, pH, sulfatos.</a:t>
+            </a:r>
+          </a:p>
+        </p:txBody>
+      </p:sp>
+      <p:sp>
+        <p:nvSpPr>
+          <p:cNvPr id="8" name="CaixaDeTexto 7">
+            <a:extLst>
+              <a:ext uri="{FF2B5EF4-FFF2-40B4-BE49-F238E27FC236}">
+                <a16:creationId xmlns:a16="http://schemas.microsoft.com/office/drawing/2014/main" id="{A43C48C4-395C-7E30-C180-C47239DDE124}"/>
+              </a:ext>
+            </a:extLst>
+          </p:cNvPr>
+          <p:cNvSpPr txBox="1"/>
+          <p:nvPr/>
+        </p:nvSpPr>
+        <p:spPr>
+          <a:xfrm>
+            <a:off x="295835" y="3654768"/>
+            <a:ext cx="4982817" cy="1200329"/>
+          </a:xfrm>
+          <a:prstGeom prst="rect">
+            <a:avLst/>
+          </a:prstGeom>
+          <a:noFill/>
+        </p:spPr>
+        <p:txBody>
+          <a:bodyPr wrap="square" rtlCol="0">
+            <a:spAutoFit/>
+          </a:bodyPr>
+          <a:lstStyle/>
+          <a:p>
+            <a:pPr marL="742950" lvl="1" indent="-285750">
+              <a:buFontTx/>
+              <a:buChar char="-"/>
+            </a:pPr>
+            <a:r>
+              <a:rPr lang="pt-PT" dirty="0"/>
+              <a:t>Atributos que se destacam nos vinhos tintos:</a:t>
+            </a:r>
+          </a:p>
+          <a:p>
+            <a:pPr marL="1200150" lvl="2" indent="-285750">
+              <a:buFontTx/>
+              <a:buChar char="-"/>
+            </a:pPr>
+            <a:r>
+              <a:rPr lang="pt-PT" dirty="0"/>
+              <a:t>Acidez cítrica, açúcar, dióxido sulfúrico.</a:t>
+            </a:r>
+          </a:p>
+        </p:txBody>
+      </p:sp>
+    </p:spTree>
+    <p:extLst>
+      <p:ext uri="{BB962C8B-B14F-4D97-AF65-F5344CB8AC3E}">
+        <p14:creationId xmlns:p14="http://schemas.microsoft.com/office/powerpoint/2010/main" val="2696431071"/>
+      </p:ext>
+    </p:extLst>
+  </p:cSld>
+  <p:clrMapOvr>
+    <a:masterClrMapping/>
+  </p:clrMapOvr>
+</p:sld>
+</file>
+
+<file path=ppt/slides/slide11.xml><?xml version="1.0" encoding="utf-8"?>
+<p:sld xmlns:a="http://schemas.openxmlformats.org/drawingml/2006/main" xmlns:r="http://schemas.openxmlformats.org/officeDocument/2006/relationships" xmlns:p="http://schemas.openxmlformats.org/presentationml/2006/main">
+  <p:cSld>
+    <p:spTree>
+      <p:nvGrpSpPr>
+        <p:cNvPr id="1" name=""/>
+        <p:cNvGrpSpPr/>
+        <p:nvPr/>
+      </p:nvGrpSpPr>
+      <p:grpSpPr>
+        <a:xfrm>
+          <a:off x="0" y="0"/>
+          <a:ext cx="0" cy="0"/>
+          <a:chOff x="0" y="0"/>
+          <a:chExt cx="0" cy="0"/>
+        </a:xfrm>
+      </p:grpSpPr>
+      <p:sp>
+        <p:nvSpPr>
           <p:cNvPr id="3" name="CaixaDeTexto 2">
             <a:extLst>
               <a:ext uri="{FF2B5EF4-FFF2-40B4-BE49-F238E27FC236}">
@@ -4327,7 +4727,7 @@
 </p:sld>
 </file>
 
-<file path=ppt/slides/slide11.xml><?xml version="1.0" encoding="utf-8"?>
+<file path=ppt/slides/slide12.xml><?xml version="1.0" encoding="utf-8"?>
 <p:sld xmlns:a="http://schemas.openxmlformats.org/drawingml/2006/main" xmlns:r="http://schemas.openxmlformats.org/officeDocument/2006/relationships" xmlns:p="http://schemas.openxmlformats.org/presentationml/2006/main">
   <p:cSld>
     <p:bg>
@@ -4447,7 +4847,7 @@
 </p:sld>
 </file>
 
-<file path=ppt/slides/slide12.xml><?xml version="1.0" encoding="utf-8"?>
+<file path=ppt/slides/slide13.xml><?xml version="1.0" encoding="utf-8"?>
 <p:sld xmlns:a="http://schemas.openxmlformats.org/drawingml/2006/main" xmlns:r="http://schemas.openxmlformats.org/officeDocument/2006/relationships" xmlns:p="http://schemas.openxmlformats.org/presentationml/2006/main">
   <p:cSld>
     <p:spTree>
@@ -4652,7 +5052,7 @@
 </p:sld>
 </file>
 
-<file path=ppt/slides/slide13.xml><?xml version="1.0" encoding="utf-8"?>
+<file path=ppt/slides/slide14.xml><?xml version="1.0" encoding="utf-8"?>
 <p:sld xmlns:a="http://schemas.openxmlformats.org/drawingml/2006/main" xmlns:r="http://schemas.openxmlformats.org/officeDocument/2006/relationships" xmlns:p="http://schemas.openxmlformats.org/presentationml/2006/main">
   <p:cSld>
     <p:bg>
@@ -5141,6 +5541,14 @@
 <file path=ppt/slides/slide3.xml><?xml version="1.0" encoding="utf-8"?>
 <p:sld xmlns:a="http://schemas.openxmlformats.org/drawingml/2006/main" xmlns:r="http://schemas.openxmlformats.org/officeDocument/2006/relationships" xmlns:p="http://schemas.openxmlformats.org/presentationml/2006/main">
   <p:cSld>
+    <p:bg>
+      <p:bgPr>
+        <a:solidFill>
+          <a:srgbClr val="FFFDFD"/>
+        </a:solidFill>
+        <a:effectLst/>
+      </p:bgPr>
+    </p:bg>
     <p:spTree>
       <p:nvGrpSpPr>
         <p:cNvPr id="1" name=""/>
@@ -5170,7 +5578,7 @@
         <p:spPr>
           <a:xfrm>
             <a:off x="295835" y="295834"/>
-            <a:ext cx="7283725" cy="784830"/>
+            <a:ext cx="8804013" cy="784830"/>
           </a:xfrm>
           <a:prstGeom prst="rect">
             <a:avLst/>
@@ -5198,82 +5606,12 @@
           </a:p>
         </p:txBody>
       </p:sp>
-      <p:sp>
-        <p:nvSpPr>
-          <p:cNvPr id="5" name="CaixaDeTexto 4">
-            <a:extLst>
-              <a:ext uri="{FF2B5EF4-FFF2-40B4-BE49-F238E27FC236}">
-                <a16:creationId xmlns:a16="http://schemas.microsoft.com/office/drawing/2014/main" id="{60E1267D-2D33-CDDE-B908-FF68EFE2FF68}"/>
-              </a:ext>
-            </a:extLst>
-          </p:cNvPr>
-          <p:cNvSpPr txBox="1"/>
-          <p:nvPr/>
-        </p:nvSpPr>
-        <p:spPr>
-          <a:xfrm>
-            <a:off x="564776" y="1546412"/>
-            <a:ext cx="11062448" cy="400110"/>
-          </a:xfrm>
-          <a:prstGeom prst="rect">
-            <a:avLst/>
-          </a:prstGeom>
-          <a:noFill/>
-        </p:spPr>
-        <p:txBody>
-          <a:bodyPr wrap="square" rtlCol="0">
-            <a:spAutoFit/>
-          </a:bodyPr>
-          <a:lstStyle/>
-          <a:p>
-            <a:r>
-              <a:rPr lang="pt-PT" sz="2000" b="1" dirty="0">
-                <a:latin typeface="Inter Tight" pitchFamily="2" charset="0"/>
-                <a:ea typeface="Inter Tight" pitchFamily="2" charset="0"/>
-                <a:cs typeface="Inter Tight" pitchFamily="2" charset="0"/>
-              </a:rPr>
-              <a:t>Objetivo:</a:t>
-            </a:r>
-            <a:r>
-              <a:rPr lang="pt-PT" sz="2000" dirty="0">
-                <a:latin typeface="Inter Tight" pitchFamily="2" charset="0"/>
-                <a:ea typeface="Inter Tight" pitchFamily="2" charset="0"/>
-                <a:cs typeface="Inter Tight" pitchFamily="2" charset="0"/>
-              </a:rPr>
-              <a:t> D</a:t>
-            </a:r>
-            <a:r>
-              <a:rPr lang="pt-PT" sz="2000" i="0" dirty="0">
-                <a:effectLst/>
-                <a:latin typeface="Inter Tight" pitchFamily="2" charset="0"/>
-                <a:ea typeface="Inter Tight" pitchFamily="2" charset="0"/>
-                <a:cs typeface="Inter Tight" pitchFamily="2" charset="0"/>
-              </a:rPr>
-              <a:t>escobrir e visualizar a informação sobre as colunas que compõem o </a:t>
-            </a:r>
-            <a:r>
-              <a:rPr lang="pt-PT" sz="2000" i="0" dirty="0" err="1">
-                <a:effectLst/>
-                <a:latin typeface="Inter Tight" pitchFamily="2" charset="0"/>
-                <a:ea typeface="Inter Tight" pitchFamily="2" charset="0"/>
-                <a:cs typeface="Inter Tight" pitchFamily="2" charset="0"/>
-              </a:rPr>
-              <a:t>dataset</a:t>
-            </a:r>
-            <a:endParaRPr lang="pt-PT" sz="2000" dirty="0">
-              <a:latin typeface="Inter Tight" pitchFamily="2" charset="0"/>
-              <a:ea typeface="Inter Tight" pitchFamily="2" charset="0"/>
-              <a:cs typeface="Inter Tight" pitchFamily="2" charset="0"/>
-            </a:endParaRPr>
-          </a:p>
-        </p:txBody>
-      </p:sp>
       <p:pic>
         <p:nvPicPr>
-          <p:cNvPr id="13" name="Imagem 12" descr="Uma imagem com texto, captura de ecrã, Tipo de letra, número&#10;&#10;Descrição gerada automaticamente">
-            <a:extLst>
-              <a:ext uri="{FF2B5EF4-FFF2-40B4-BE49-F238E27FC236}">
-                <a16:creationId xmlns:a16="http://schemas.microsoft.com/office/drawing/2014/main" id="{2121BEDD-1B0B-59E9-1194-0B5A85405E4F}"/>
+          <p:cNvPr id="7" name="Imagem 6" descr="Uma imagem com texto, recibo, captura de ecrã, branco&#10;&#10;Descrição gerada automaticamente">
+            <a:extLst>
+              <a:ext uri="{FF2B5EF4-FFF2-40B4-BE49-F238E27FC236}">
+                <a16:creationId xmlns:a16="http://schemas.microsoft.com/office/drawing/2014/main" id="{28D5B1D0-3212-7DD9-13A4-3834170459FE}"/>
               </a:ext>
             </a:extLst>
           </p:cNvPr>
@@ -5290,8 +5628,8 @@
         </p:blipFill>
         <p:spPr>
           <a:xfrm>
-            <a:off x="3229805" y="2412270"/>
-            <a:ext cx="5732389" cy="3619639"/>
+            <a:off x="870102" y="1727426"/>
+            <a:ext cx="10451796" cy="1710120"/>
           </a:xfrm>
           <a:prstGeom prst="rect">
             <a:avLst/>
@@ -5301,7 +5639,7 @@
     </p:spTree>
     <p:extLst>
       <p:ext uri="{BB962C8B-B14F-4D97-AF65-F5344CB8AC3E}">
-        <p14:creationId xmlns:p14="http://schemas.microsoft.com/office/powerpoint/2010/main" val="1027735409"/>
+        <p14:creationId xmlns:p14="http://schemas.microsoft.com/office/powerpoint/2010/main" val="2362906552"/>
       </p:ext>
     </p:extLst>
   </p:cSld>
@@ -5371,12 +5709,82 @@
           </a:p>
         </p:txBody>
       </p:sp>
+      <p:sp>
+        <p:nvSpPr>
+          <p:cNvPr id="5" name="CaixaDeTexto 4">
+            <a:extLst>
+              <a:ext uri="{FF2B5EF4-FFF2-40B4-BE49-F238E27FC236}">
+                <a16:creationId xmlns:a16="http://schemas.microsoft.com/office/drawing/2014/main" id="{60E1267D-2D33-CDDE-B908-FF68EFE2FF68}"/>
+              </a:ext>
+            </a:extLst>
+          </p:cNvPr>
+          <p:cNvSpPr txBox="1"/>
+          <p:nvPr/>
+        </p:nvSpPr>
+        <p:spPr>
+          <a:xfrm>
+            <a:off x="564776" y="1546412"/>
+            <a:ext cx="11062448" cy="400110"/>
+          </a:xfrm>
+          <a:prstGeom prst="rect">
+            <a:avLst/>
+          </a:prstGeom>
+          <a:noFill/>
+        </p:spPr>
+        <p:txBody>
+          <a:bodyPr wrap="square" rtlCol="0">
+            <a:spAutoFit/>
+          </a:bodyPr>
+          <a:lstStyle/>
+          <a:p>
+            <a:r>
+              <a:rPr lang="pt-PT" sz="2000" b="1" dirty="0">
+                <a:latin typeface="Inter Tight" pitchFamily="2" charset="0"/>
+                <a:ea typeface="Inter Tight" pitchFamily="2" charset="0"/>
+                <a:cs typeface="Inter Tight" pitchFamily="2" charset="0"/>
+              </a:rPr>
+              <a:t>Objetivo:</a:t>
+            </a:r>
+            <a:r>
+              <a:rPr lang="pt-PT" sz="2000" dirty="0">
+                <a:latin typeface="Inter Tight" pitchFamily="2" charset="0"/>
+                <a:ea typeface="Inter Tight" pitchFamily="2" charset="0"/>
+                <a:cs typeface="Inter Tight" pitchFamily="2" charset="0"/>
+              </a:rPr>
+              <a:t> D</a:t>
+            </a:r>
+            <a:r>
+              <a:rPr lang="pt-PT" sz="2000" i="0" dirty="0">
+                <a:effectLst/>
+                <a:latin typeface="Inter Tight" pitchFamily="2" charset="0"/>
+                <a:ea typeface="Inter Tight" pitchFamily="2" charset="0"/>
+                <a:cs typeface="Inter Tight" pitchFamily="2" charset="0"/>
+              </a:rPr>
+              <a:t>escobrir e visualizar a informação sobre as colunas que compõem o </a:t>
+            </a:r>
+            <a:r>
+              <a:rPr lang="pt-PT" sz="2000" i="0" dirty="0" err="1">
+                <a:effectLst/>
+                <a:latin typeface="Inter Tight" pitchFamily="2" charset="0"/>
+                <a:ea typeface="Inter Tight" pitchFamily="2" charset="0"/>
+                <a:cs typeface="Inter Tight" pitchFamily="2" charset="0"/>
+              </a:rPr>
+              <a:t>dataset</a:t>
+            </a:r>
+            <a:endParaRPr lang="pt-PT" sz="2000" dirty="0">
+              <a:latin typeface="Inter Tight" pitchFamily="2" charset="0"/>
+              <a:ea typeface="Inter Tight" pitchFamily="2" charset="0"/>
+              <a:cs typeface="Inter Tight" pitchFamily="2" charset="0"/>
+            </a:endParaRPr>
+          </a:p>
+        </p:txBody>
+      </p:sp>
       <p:pic>
         <p:nvPicPr>
-          <p:cNvPr id="4" name="Imagem 3">
-            <a:extLst>
-              <a:ext uri="{FF2B5EF4-FFF2-40B4-BE49-F238E27FC236}">
-                <a16:creationId xmlns:a16="http://schemas.microsoft.com/office/drawing/2014/main" id="{C9CC8B7E-6B0E-2668-BC24-DF24DC39388F}"/>
+          <p:cNvPr id="13" name="Imagem 12" descr="Uma imagem com texto, captura de ecrã, Tipo de letra, número&#10;&#10;Descrição gerada automaticamente">
+            <a:extLst>
+              <a:ext uri="{FF2B5EF4-FFF2-40B4-BE49-F238E27FC236}">
+                <a16:creationId xmlns:a16="http://schemas.microsoft.com/office/drawing/2014/main" id="{2121BEDD-1B0B-59E9-1194-0B5A85405E4F}"/>
               </a:ext>
             </a:extLst>
           </p:cNvPr>
@@ -5385,63 +5793,26 @@
           </p:cNvPicPr>
           <p:nvPr/>
         </p:nvPicPr>
-        <p:blipFill rotWithShape="1">
+        <p:blipFill>
           <a:blip r:embed="rId2"/>
-          <a:srcRect t="2746"/>
-          <a:stretch/>
+          <a:stretch>
+            <a:fillRect/>
+          </a:stretch>
         </p:blipFill>
         <p:spPr>
           <a:xfrm>
-            <a:off x="2961721" y="1238864"/>
-            <a:ext cx="8713097" cy="5601799"/>
+            <a:off x="3229805" y="2412270"/>
+            <a:ext cx="5732389" cy="3619639"/>
           </a:xfrm>
           <a:prstGeom prst="rect">
             <a:avLst/>
           </a:prstGeom>
         </p:spPr>
       </p:pic>
-      <p:sp>
-        <p:nvSpPr>
-          <p:cNvPr id="2" name="CaixaDeTexto 1">
-            <a:extLst>
-              <a:ext uri="{FF2B5EF4-FFF2-40B4-BE49-F238E27FC236}">
-                <a16:creationId xmlns:a16="http://schemas.microsoft.com/office/drawing/2014/main" id="{9BBE6C97-C1B9-6768-772C-A921A8B11B62}"/>
-              </a:ext>
-            </a:extLst>
-          </p:cNvPr>
-          <p:cNvSpPr txBox="1"/>
-          <p:nvPr/>
-        </p:nvSpPr>
-        <p:spPr>
-          <a:xfrm>
-            <a:off x="295835" y="1445342"/>
-            <a:ext cx="1827933" cy="1323439"/>
-          </a:xfrm>
-          <a:prstGeom prst="rect">
-            <a:avLst/>
-          </a:prstGeom>
-          <a:noFill/>
-        </p:spPr>
-        <p:txBody>
-          <a:bodyPr wrap="square" rtlCol="0">
-            <a:spAutoFit/>
-          </a:bodyPr>
-          <a:lstStyle/>
-          <a:p>
-            <a:pPr algn="just"/>
-            <a:r>
-              <a:rPr lang="pt-PT" sz="2000" dirty="0">
-                <a:latin typeface="Clash Display"/>
-              </a:rPr>
-              <a:t>Distribuição das Características Químicas dos Vinhos</a:t>
-            </a:r>
-          </a:p>
-        </p:txBody>
-      </p:sp>
     </p:spTree>
     <p:extLst>
       <p:ext uri="{BB962C8B-B14F-4D97-AF65-F5344CB8AC3E}">
-        <p14:creationId xmlns:p14="http://schemas.microsoft.com/office/powerpoint/2010/main" val="3754452027"/>
+        <p14:creationId xmlns:p14="http://schemas.microsoft.com/office/powerpoint/2010/main" val="1027735409"/>
       </p:ext>
     </p:extLst>
   </p:cSld>
@@ -5533,7 +5904,7 @@
         <p:spPr>
           <a:xfrm>
             <a:off x="2961721" y="1238864"/>
-            <a:ext cx="8713096" cy="5601799"/>
+            <a:ext cx="8713097" cy="5601799"/>
           </a:xfrm>
           <a:prstGeom prst="rect">
             <a:avLst/>
@@ -5554,8 +5925,8 @@
         </p:nvSpPr>
         <p:spPr>
           <a:xfrm>
-            <a:off x="8076210" y="6211467"/>
-            <a:ext cx="3598607" cy="369332"/>
+            <a:off x="295835" y="1445342"/>
+            <a:ext cx="1827933" cy="1631216"/>
           </a:xfrm>
           <a:prstGeom prst="rect">
             <a:avLst/>
@@ -5570,58 +5941,10 @@
           <a:p>
             <a:pPr algn="just"/>
             <a:r>
-              <a:rPr lang="pt-PT" dirty="0">
-                <a:latin typeface="Clash Display"/>
-              </a:rPr>
-              <a:t>Remoção dos </a:t>
-            </a:r>
-            <a:r>
-              <a:rPr lang="pt-PT" dirty="0" err="1">
-                <a:latin typeface="Clash Display"/>
-              </a:rPr>
-              <a:t>outliers</a:t>
-            </a:r>
-            <a:r>
-              <a:rPr lang="pt-PT" dirty="0">
-                <a:latin typeface="Clash Display"/>
-              </a:rPr>
-              <a:t> (em números)</a:t>
-            </a:r>
-          </a:p>
-        </p:txBody>
-      </p:sp>
-      <p:sp>
-        <p:nvSpPr>
-          <p:cNvPr id="6" name="CaixaDeTexto 5">
-            <a:extLst>
-              <a:ext uri="{FF2B5EF4-FFF2-40B4-BE49-F238E27FC236}">
-                <a16:creationId xmlns:a16="http://schemas.microsoft.com/office/drawing/2014/main" id="{284D1F13-1444-87BA-7F15-CBC4FD5905BA}"/>
-              </a:ext>
-            </a:extLst>
-          </p:cNvPr>
-          <p:cNvSpPr txBox="1"/>
-          <p:nvPr/>
-        </p:nvSpPr>
-        <p:spPr>
-          <a:xfrm>
-            <a:off x="295835" y="1445342"/>
-            <a:ext cx="1827933" cy="1323439"/>
-          </a:xfrm>
-          <a:prstGeom prst="rect">
-            <a:avLst/>
-          </a:prstGeom>
-          <a:noFill/>
-        </p:spPr>
-        <p:txBody>
-          <a:bodyPr wrap="square" rtlCol="0">
-            <a:spAutoFit/>
-          </a:bodyPr>
-          <a:lstStyle/>
-          <a:p>
-            <a:pPr algn="just"/>
-            <a:r>
               <a:rPr lang="pt-PT" sz="2000" dirty="0">
-                <a:latin typeface="Clash Display"/>
+                <a:latin typeface="Inter Tight" pitchFamily="2" charset="0"/>
+                <a:ea typeface="Inter Tight" pitchFamily="2" charset="0"/>
+                <a:cs typeface="Inter Tight" pitchFamily="2" charset="0"/>
               </a:rPr>
               <a:t>Distribuição das Características Químicas dos Vinhos</a:t>
             </a:r>
@@ -5631,25 +5954,13 @@
     </p:spTree>
     <p:extLst>
       <p:ext uri="{BB962C8B-B14F-4D97-AF65-F5344CB8AC3E}">
-        <p14:creationId xmlns:p14="http://schemas.microsoft.com/office/powerpoint/2010/main" val="785319034"/>
+        <p14:creationId xmlns:p14="http://schemas.microsoft.com/office/powerpoint/2010/main" val="3754452027"/>
       </p:ext>
     </p:extLst>
   </p:cSld>
   <p:clrMapOvr>
     <a:masterClrMapping/>
   </p:clrMapOvr>
-  <mc:AlternateContent xmlns:mc="http://schemas.openxmlformats.org/markup-compatibility/2006">
-    <mc:Choice xmlns:p159="http://schemas.microsoft.com/office/powerpoint/2015/09/main" Requires="p159">
-      <p:transition xmlns:p14="http://schemas.microsoft.com/office/powerpoint/2010/main" spd="slow" p14:dur="2000">
-        <p159:morph option="byObject"/>
-      </p:transition>
-    </mc:Choice>
-    <mc:Fallback>
-      <p:transition spd="slow">
-        <p:fade/>
-      </p:transition>
-    </mc:Fallback>
-  </mc:AlternateContent>
 </p:sld>
 </file>
 
@@ -5727,38 +6038,134 @@
           </p:cNvPicPr>
           <p:nvPr/>
         </p:nvPicPr>
-        <p:blipFill>
+        <p:blipFill rotWithShape="1">
           <a:blip r:embed="rId2"/>
-          <a:srcRect/>
+          <a:srcRect t="2746"/>
           <a:stretch/>
         </p:blipFill>
         <p:spPr>
           <a:xfrm>
-            <a:off x="2360907" y="1098000"/>
-            <a:ext cx="7470185" cy="5760000"/>
+            <a:off x="2961721" y="1238864"/>
+            <a:ext cx="8713096" cy="5601799"/>
           </a:xfrm>
           <a:prstGeom prst="rect">
             <a:avLst/>
           </a:prstGeom>
         </p:spPr>
       </p:pic>
+      <p:sp>
+        <p:nvSpPr>
+          <p:cNvPr id="2" name="CaixaDeTexto 1">
+            <a:extLst>
+              <a:ext uri="{FF2B5EF4-FFF2-40B4-BE49-F238E27FC236}">
+                <a16:creationId xmlns:a16="http://schemas.microsoft.com/office/drawing/2014/main" id="{9BBE6C97-C1B9-6768-772C-A921A8B11B62}"/>
+              </a:ext>
+            </a:extLst>
+          </p:cNvPr>
+          <p:cNvSpPr txBox="1"/>
+          <p:nvPr/>
+        </p:nvSpPr>
+        <p:spPr>
+          <a:xfrm>
+            <a:off x="8076210" y="6211467"/>
+            <a:ext cx="3598607" cy="646331"/>
+          </a:xfrm>
+          <a:prstGeom prst="rect">
+            <a:avLst/>
+          </a:prstGeom>
+          <a:noFill/>
+        </p:spPr>
+        <p:txBody>
+          <a:bodyPr wrap="square" rtlCol="0">
+            <a:spAutoFit/>
+          </a:bodyPr>
+          <a:lstStyle/>
+          <a:p>
+            <a:pPr algn="just"/>
+            <a:r>
+              <a:rPr lang="pt-PT" dirty="0">
+                <a:latin typeface="Inter Tight" pitchFamily="2" charset="0"/>
+                <a:ea typeface="Inter Tight" pitchFamily="2" charset="0"/>
+                <a:cs typeface="Inter Tight" pitchFamily="2" charset="0"/>
+              </a:rPr>
+              <a:t>Remoção dos </a:t>
+            </a:r>
+            <a:r>
+              <a:rPr lang="pt-PT" dirty="0" err="1">
+                <a:latin typeface="Inter Tight" pitchFamily="2" charset="0"/>
+                <a:ea typeface="Inter Tight" pitchFamily="2" charset="0"/>
+                <a:cs typeface="Inter Tight" pitchFamily="2" charset="0"/>
+              </a:rPr>
+              <a:t>outliers</a:t>
+            </a:r>
+            <a:r>
+              <a:rPr lang="pt-PT" dirty="0">
+                <a:latin typeface="Inter Tight" pitchFamily="2" charset="0"/>
+                <a:ea typeface="Inter Tight" pitchFamily="2" charset="0"/>
+                <a:cs typeface="Inter Tight" pitchFamily="2" charset="0"/>
+              </a:rPr>
+              <a:t> (em números)</a:t>
+            </a:r>
+          </a:p>
+        </p:txBody>
+      </p:sp>
+      <p:sp>
+        <p:nvSpPr>
+          <p:cNvPr id="6" name="CaixaDeTexto 5">
+            <a:extLst>
+              <a:ext uri="{FF2B5EF4-FFF2-40B4-BE49-F238E27FC236}">
+                <a16:creationId xmlns:a16="http://schemas.microsoft.com/office/drawing/2014/main" id="{284D1F13-1444-87BA-7F15-CBC4FD5905BA}"/>
+              </a:ext>
+            </a:extLst>
+          </p:cNvPr>
+          <p:cNvSpPr txBox="1"/>
+          <p:nvPr/>
+        </p:nvSpPr>
+        <p:spPr>
+          <a:xfrm>
+            <a:off x="295835" y="1445342"/>
+            <a:ext cx="1827933" cy="1631216"/>
+          </a:xfrm>
+          <a:prstGeom prst="rect">
+            <a:avLst/>
+          </a:prstGeom>
+          <a:noFill/>
+        </p:spPr>
+        <p:txBody>
+          <a:bodyPr wrap="square" rtlCol="0">
+            <a:spAutoFit/>
+          </a:bodyPr>
+          <a:lstStyle/>
+          <a:p>
+            <a:pPr algn="just"/>
+            <a:r>
+              <a:rPr lang="pt-PT" sz="2000" dirty="0">
+                <a:latin typeface="Inter Tight" pitchFamily="2" charset="0"/>
+                <a:ea typeface="Inter Tight" pitchFamily="2" charset="0"/>
+                <a:cs typeface="Inter Tight" pitchFamily="2" charset="0"/>
+              </a:rPr>
+              <a:t>Distribuição das Características Químicas dos Vinhos</a:t>
+            </a:r>
+          </a:p>
+        </p:txBody>
+      </p:sp>
     </p:spTree>
     <p:extLst>
       <p:ext uri="{BB962C8B-B14F-4D97-AF65-F5344CB8AC3E}">
-        <p14:creationId xmlns:p14="http://schemas.microsoft.com/office/powerpoint/2010/main" val="3194444572"/>
+        <p14:creationId xmlns:p14="http://schemas.microsoft.com/office/powerpoint/2010/main" val="785319034"/>
       </p:ext>
     </p:extLst>
   </p:cSld>
   <p:clrMapOvr>
     <a:masterClrMapping/>
   </p:clrMapOvr>
-  <mc:AlternateContent xmlns:mc="http://schemas.openxmlformats.org/markup-compatibility/2006">
-    <mc:Choice xmlns:p159="http://schemas.microsoft.com/office/powerpoint/2015/09/main" Requires="p159">
+  <mc:AlternateContent xmlns:mc="http://schemas.openxmlformats.org/markup-compatibility/2006" xmlns:p159="http://schemas.microsoft.com/office/powerpoint/2015/09/main">
+    <mc:Choice Requires="p159">
       <p:transition xmlns:p14="http://schemas.microsoft.com/office/powerpoint/2010/main" spd="slow" p14:dur="2000">
         <p159:morph option="byObject"/>
       </p:transition>
     </mc:Choice>
-    <mc:Fallback>
+    <mc:Fallback xmlns="">
       <p:transition spd="slow">
         <p:fade/>
       </p:transition>
@@ -5848,8 +6255,8 @@
         </p:blipFill>
         <p:spPr>
           <a:xfrm>
-            <a:off x="1963042" y="1313679"/>
-            <a:ext cx="8265916" cy="5071251"/>
+            <a:off x="2360907" y="1098000"/>
+            <a:ext cx="7470185" cy="5760000"/>
           </a:xfrm>
           <a:prstGeom prst="rect">
             <a:avLst/>
@@ -5859,20 +6266,20 @@
     </p:spTree>
     <p:extLst>
       <p:ext uri="{BB962C8B-B14F-4D97-AF65-F5344CB8AC3E}">
-        <p14:creationId xmlns:p14="http://schemas.microsoft.com/office/powerpoint/2010/main" val="2866936293"/>
+        <p14:creationId xmlns:p14="http://schemas.microsoft.com/office/powerpoint/2010/main" val="3194444572"/>
       </p:ext>
     </p:extLst>
   </p:cSld>
   <p:clrMapOvr>
     <a:masterClrMapping/>
   </p:clrMapOvr>
-  <mc:AlternateContent xmlns:mc="http://schemas.openxmlformats.org/markup-compatibility/2006">
-    <mc:Choice xmlns:p159="http://schemas.microsoft.com/office/powerpoint/2015/09/main" Requires="p159">
+  <mc:AlternateContent xmlns:mc="http://schemas.openxmlformats.org/markup-compatibility/2006" xmlns:p159="http://schemas.microsoft.com/office/powerpoint/2015/09/main">
+    <mc:Choice Requires="p159">
       <p:transition xmlns:p14="http://schemas.microsoft.com/office/powerpoint/2010/main" spd="slow" p14:dur="2000">
         <p159:morph option="byObject"/>
       </p:transition>
     </mc:Choice>
-    <mc:Fallback>
+    <mc:Fallback xmlns="">
       <p:transition spd="slow">
         <p:fade/>
       </p:transition>
@@ -5962,8 +6369,8 @@
         </p:blipFill>
         <p:spPr>
           <a:xfrm>
-            <a:off x="2266830" y="1080664"/>
-            <a:ext cx="7658339" cy="5619327"/>
+            <a:off x="1963042" y="1313679"/>
+            <a:ext cx="8265916" cy="5071251"/>
           </a:xfrm>
           <a:prstGeom prst="rect">
             <a:avLst/>
@@ -5973,20 +6380,20 @@
     </p:spTree>
     <p:extLst>
       <p:ext uri="{BB962C8B-B14F-4D97-AF65-F5344CB8AC3E}">
-        <p14:creationId xmlns:p14="http://schemas.microsoft.com/office/powerpoint/2010/main" val="964542521"/>
+        <p14:creationId xmlns:p14="http://schemas.microsoft.com/office/powerpoint/2010/main" val="2866936293"/>
       </p:ext>
     </p:extLst>
   </p:cSld>
   <p:clrMapOvr>
     <a:masterClrMapping/>
   </p:clrMapOvr>
-  <mc:AlternateContent xmlns:mc="http://schemas.openxmlformats.org/markup-compatibility/2006">
-    <mc:Choice xmlns:p159="http://schemas.microsoft.com/office/powerpoint/2015/09/main" Requires="p159">
+  <mc:AlternateContent xmlns:mc="http://schemas.openxmlformats.org/markup-compatibility/2006" xmlns:p159="http://schemas.microsoft.com/office/powerpoint/2015/09/main">
+    <mc:Choice Requires="p159">
       <p:transition xmlns:p14="http://schemas.microsoft.com/office/powerpoint/2010/main" spd="slow" p14:dur="2000">
         <p159:morph option="byObject"/>
       </p:transition>
     </mc:Choice>
-    <mc:Fallback>
+    <mc:Fallback xmlns="">
       <p:transition spd="slow">
         <p:fade/>
       </p:transition>
@@ -5998,14 +6405,6 @@
 <file path=ppt/slides/slide9.xml><?xml version="1.0" encoding="utf-8"?>
 <p:sld xmlns:a="http://schemas.openxmlformats.org/drawingml/2006/main" xmlns:r="http://schemas.openxmlformats.org/officeDocument/2006/relationships" xmlns:p="http://schemas.openxmlformats.org/presentationml/2006/main">
   <p:cSld>
-    <p:bg>
-      <p:bgPr>
-        <a:solidFill>
-          <a:srgbClr val="D5E8F2"/>
-        </a:solidFill>
-        <a:effectLst/>
-      </p:bgPr>
-    </p:bg>
     <p:spTree>
       <p:nvGrpSpPr>
         <p:cNvPr id="1" name=""/>
@@ -6035,7 +6434,7 @@
         <p:spPr>
           <a:xfrm>
             <a:off x="295835" y="295834"/>
-            <a:ext cx="8804013" cy="784830"/>
+            <a:ext cx="7283725" cy="784830"/>
           </a:xfrm>
           <a:prstGeom prst="rect">
             <a:avLst/>
@@ -6065,10 +6464,10 @@
       </p:sp>
       <p:pic>
         <p:nvPicPr>
-          <p:cNvPr id="7" name="Imagem 6" descr="Uma imagem com texto, recibo, captura de ecrã, branco&#10;&#10;Descrição gerada automaticamente">
-            <a:extLst>
-              <a:ext uri="{FF2B5EF4-FFF2-40B4-BE49-F238E27FC236}">
-                <a16:creationId xmlns:a16="http://schemas.microsoft.com/office/drawing/2014/main" id="{28D5B1D0-3212-7DD9-13A4-3834170459FE}"/>
+          <p:cNvPr id="4" name="Imagem 3">
+            <a:extLst>
+              <a:ext uri="{FF2B5EF4-FFF2-40B4-BE49-F238E27FC236}">
+                <a16:creationId xmlns:a16="http://schemas.microsoft.com/office/drawing/2014/main" id="{C9CC8B7E-6B0E-2668-BC24-DF24DC39388F}"/>
               </a:ext>
             </a:extLst>
           </p:cNvPr>
@@ -6079,14 +6478,13 @@
         </p:nvPicPr>
         <p:blipFill>
           <a:blip r:embed="rId2"/>
-          <a:stretch>
-            <a:fillRect/>
-          </a:stretch>
+          <a:srcRect/>
+          <a:stretch/>
         </p:blipFill>
         <p:spPr>
           <a:xfrm>
-            <a:off x="870102" y="1727426"/>
-            <a:ext cx="10451796" cy="1710120"/>
+            <a:off x="2266830" y="1080664"/>
+            <a:ext cx="7658339" cy="5619327"/>
           </a:xfrm>
           <a:prstGeom prst="rect">
             <a:avLst/>
@@ -6096,13 +6494,25 @@
     </p:spTree>
     <p:extLst>
       <p:ext uri="{BB962C8B-B14F-4D97-AF65-F5344CB8AC3E}">
-        <p14:creationId xmlns:p14="http://schemas.microsoft.com/office/powerpoint/2010/main" val="2362906552"/>
+        <p14:creationId xmlns:p14="http://schemas.microsoft.com/office/powerpoint/2010/main" val="964542521"/>
       </p:ext>
     </p:extLst>
   </p:cSld>
   <p:clrMapOvr>
     <a:masterClrMapping/>
   </p:clrMapOvr>
+  <mc:AlternateContent xmlns:mc="http://schemas.openxmlformats.org/markup-compatibility/2006" xmlns:p159="http://schemas.microsoft.com/office/powerpoint/2015/09/main">
+    <mc:Choice Requires="p159">
+      <p:transition xmlns:p14="http://schemas.microsoft.com/office/powerpoint/2010/main" spd="slow" p14:dur="2000">
+        <p159:morph option="byObject"/>
+      </p:transition>
+    </mc:Choice>
+    <mc:Fallback xmlns="">
+      <p:transition spd="slow">
+        <p:fade/>
+      </p:transition>
+    </mc:Fallback>
+  </mc:AlternateContent>
 </p:sld>
 </file>
 
